--- a/courseware/20181228_linear_regression/tensorflow线性回归.pptx
+++ b/courseware/20181228_linear_regression/tensorflow线性回归.pptx
@@ -168,10 +168,9 @@
           </a:lstStyle>
           <a:p>
             <a:r>
-              <a:rPr lang="en-US" smtClean="0"/>
+              <a:rPr lang="en-US"/>
               <a:t>Click to edit Master title style</a:t>
             </a:r>
-            <a:endParaRPr lang="en-US"/>
           </a:p>
         </p:txBody>
       </p:sp>
@@ -233,10 +232,9 @@
           </a:lstStyle>
           <a:p>
             <a:r>
-              <a:rPr lang="en-US" smtClean="0"/>
+              <a:rPr lang="en-US"/>
               <a:t>Click to edit Master subtitle style</a:t>
             </a:r>
-            <a:endParaRPr lang="en-US"/>
           </a:p>
         </p:txBody>
       </p:sp>
@@ -257,7 +255,7 @@
           <a:p>
             <a:fld id="{1C4036AE-D037-204C-82E5-9B83F4DE0092}" type="datetimeFigureOut">
               <a:rPr lang="en-US" smtClean="0"/>
-              <a:t>4/1/17</a:t>
+              <a:t>1/2/2019</a:t>
             </a:fld>
             <a:endParaRPr lang="en-US"/>
           </a:p>
@@ -351,10 +349,9 @@
           <a:lstStyle/>
           <a:p>
             <a:r>
-              <a:rPr lang="en-US" smtClean="0"/>
+              <a:rPr lang="en-US"/>
               <a:t>Click to edit Master title style</a:t>
             </a:r>
-            <a:endParaRPr lang="en-US"/>
           </a:p>
         </p:txBody>
       </p:sp>
@@ -375,38 +372,37 @@
           <a:p>
             <a:pPr lvl="0"/>
             <a:r>
-              <a:rPr lang="en-US" smtClean="0"/>
+              <a:rPr lang="en-US"/>
               <a:t>Click to edit Master text styles</a:t>
             </a:r>
           </a:p>
           <a:p>
             <a:pPr lvl="1"/>
             <a:r>
-              <a:rPr lang="en-US" smtClean="0"/>
+              <a:rPr lang="en-US"/>
               <a:t>Second level</a:t>
             </a:r>
           </a:p>
           <a:p>
             <a:pPr lvl="2"/>
             <a:r>
-              <a:rPr lang="en-US" smtClean="0"/>
+              <a:rPr lang="en-US"/>
               <a:t>Third level</a:t>
             </a:r>
           </a:p>
           <a:p>
             <a:pPr lvl="3"/>
             <a:r>
-              <a:rPr lang="en-US" smtClean="0"/>
+              <a:rPr lang="en-US"/>
               <a:t>Fourth level</a:t>
             </a:r>
           </a:p>
           <a:p>
             <a:pPr lvl="4"/>
             <a:r>
-              <a:rPr lang="en-US" smtClean="0"/>
+              <a:rPr lang="en-US"/>
               <a:t>Fifth level</a:t>
             </a:r>
-            <a:endParaRPr lang="en-US"/>
           </a:p>
         </p:txBody>
       </p:sp>
@@ -427,7 +423,7 @@
           <a:p>
             <a:fld id="{1C4036AE-D037-204C-82E5-9B83F4DE0092}" type="datetimeFigureOut">
               <a:rPr lang="en-US" smtClean="0"/>
-              <a:t>4/1/17</a:t>
+              <a:t>1/2/2019</a:t>
             </a:fld>
             <a:endParaRPr lang="en-US"/>
           </a:p>
@@ -526,10 +522,9 @@
           <a:lstStyle/>
           <a:p>
             <a:r>
-              <a:rPr lang="en-US" smtClean="0"/>
+              <a:rPr lang="en-US"/>
               <a:t>Click to edit Master title style</a:t>
             </a:r>
-            <a:endParaRPr lang="en-US"/>
           </a:p>
         </p:txBody>
       </p:sp>
@@ -555,38 +550,37 @@
           <a:p>
             <a:pPr lvl="0"/>
             <a:r>
-              <a:rPr lang="en-US" smtClean="0"/>
+              <a:rPr lang="en-US"/>
               <a:t>Click to edit Master text styles</a:t>
             </a:r>
           </a:p>
           <a:p>
             <a:pPr lvl="1"/>
             <a:r>
-              <a:rPr lang="en-US" smtClean="0"/>
+              <a:rPr lang="en-US"/>
               <a:t>Second level</a:t>
             </a:r>
           </a:p>
           <a:p>
             <a:pPr lvl="2"/>
             <a:r>
-              <a:rPr lang="en-US" smtClean="0"/>
+              <a:rPr lang="en-US"/>
               <a:t>Third level</a:t>
             </a:r>
           </a:p>
           <a:p>
             <a:pPr lvl="3"/>
             <a:r>
-              <a:rPr lang="en-US" smtClean="0"/>
+              <a:rPr lang="en-US"/>
               <a:t>Fourth level</a:t>
             </a:r>
           </a:p>
           <a:p>
             <a:pPr lvl="4"/>
             <a:r>
-              <a:rPr lang="en-US" smtClean="0"/>
+              <a:rPr lang="en-US"/>
               <a:t>Fifth level</a:t>
             </a:r>
-            <a:endParaRPr lang="en-US"/>
           </a:p>
         </p:txBody>
       </p:sp>
@@ -607,7 +601,7 @@
           <a:p>
             <a:fld id="{1C4036AE-D037-204C-82E5-9B83F4DE0092}" type="datetimeFigureOut">
               <a:rPr lang="en-US" smtClean="0"/>
-              <a:t>4/1/17</a:t>
+              <a:t>1/2/2019</a:t>
             </a:fld>
             <a:endParaRPr lang="en-US"/>
           </a:p>
@@ -701,10 +695,9 @@
           <a:lstStyle/>
           <a:p>
             <a:r>
-              <a:rPr lang="en-US" smtClean="0"/>
+              <a:rPr lang="en-US"/>
               <a:t>Click to edit Master title style</a:t>
             </a:r>
-            <a:endParaRPr lang="en-US"/>
           </a:p>
         </p:txBody>
       </p:sp>
@@ -725,38 +718,37 @@
           <a:p>
             <a:pPr lvl="0"/>
             <a:r>
-              <a:rPr lang="en-US" smtClean="0"/>
+              <a:rPr lang="en-US"/>
               <a:t>Click to edit Master text styles</a:t>
             </a:r>
           </a:p>
           <a:p>
             <a:pPr lvl="1"/>
             <a:r>
-              <a:rPr lang="en-US" smtClean="0"/>
+              <a:rPr lang="en-US"/>
               <a:t>Second level</a:t>
             </a:r>
           </a:p>
           <a:p>
             <a:pPr lvl="2"/>
             <a:r>
-              <a:rPr lang="en-US" smtClean="0"/>
+              <a:rPr lang="en-US"/>
               <a:t>Third level</a:t>
             </a:r>
           </a:p>
           <a:p>
             <a:pPr lvl="3"/>
             <a:r>
-              <a:rPr lang="en-US" smtClean="0"/>
+              <a:rPr lang="en-US"/>
               <a:t>Fourth level</a:t>
             </a:r>
           </a:p>
           <a:p>
             <a:pPr lvl="4"/>
             <a:r>
-              <a:rPr lang="en-US" smtClean="0"/>
+              <a:rPr lang="en-US"/>
               <a:t>Fifth level</a:t>
             </a:r>
-            <a:endParaRPr lang="en-US"/>
           </a:p>
         </p:txBody>
       </p:sp>
@@ -777,7 +769,7 @@
           <a:p>
             <a:fld id="{1C4036AE-D037-204C-82E5-9B83F4DE0092}" type="datetimeFigureOut">
               <a:rPr lang="en-US" smtClean="0"/>
-              <a:t>4/1/17</a:t>
+              <a:t>1/2/2019</a:t>
             </a:fld>
             <a:endParaRPr lang="en-US"/>
           </a:p>
@@ -880,10 +872,9 @@
           </a:lstStyle>
           <a:p>
             <a:r>
-              <a:rPr lang="en-US" smtClean="0"/>
+              <a:rPr lang="en-US"/>
               <a:t>Click to edit Master title style</a:t>
             </a:r>
-            <a:endParaRPr lang="en-US"/>
           </a:p>
         </p:txBody>
       </p:sp>
@@ -1000,7 +991,7 @@
           <a:p>
             <a:pPr lvl="0"/>
             <a:r>
-              <a:rPr lang="en-US" smtClean="0"/>
+              <a:rPr lang="en-US"/>
               <a:t>Click to edit Master text styles</a:t>
             </a:r>
           </a:p>
@@ -1023,7 +1014,7 @@
           <a:p>
             <a:fld id="{1C4036AE-D037-204C-82E5-9B83F4DE0092}" type="datetimeFigureOut">
               <a:rPr lang="en-US" smtClean="0"/>
-              <a:t>4/1/17</a:t>
+              <a:t>1/2/2019</a:t>
             </a:fld>
             <a:endParaRPr lang="en-US"/>
           </a:p>
@@ -1117,10 +1108,9 @@
           <a:lstStyle/>
           <a:p>
             <a:r>
-              <a:rPr lang="en-US" smtClean="0"/>
+              <a:rPr lang="en-US"/>
               <a:t>Click to edit Master title style</a:t>
             </a:r>
-            <a:endParaRPr lang="en-US"/>
           </a:p>
         </p:txBody>
       </p:sp>
@@ -1146,38 +1136,37 @@
           <a:p>
             <a:pPr lvl="0"/>
             <a:r>
-              <a:rPr lang="en-US" smtClean="0"/>
+              <a:rPr lang="en-US"/>
               <a:t>Click to edit Master text styles</a:t>
             </a:r>
           </a:p>
           <a:p>
             <a:pPr lvl="1"/>
             <a:r>
-              <a:rPr lang="en-US" smtClean="0"/>
+              <a:rPr lang="en-US"/>
               <a:t>Second level</a:t>
             </a:r>
           </a:p>
           <a:p>
             <a:pPr lvl="2"/>
             <a:r>
-              <a:rPr lang="en-US" smtClean="0"/>
+              <a:rPr lang="en-US"/>
               <a:t>Third level</a:t>
             </a:r>
           </a:p>
           <a:p>
             <a:pPr lvl="3"/>
             <a:r>
-              <a:rPr lang="en-US" smtClean="0"/>
+              <a:rPr lang="en-US"/>
               <a:t>Fourth level</a:t>
             </a:r>
           </a:p>
           <a:p>
             <a:pPr lvl="4"/>
             <a:r>
-              <a:rPr lang="en-US" smtClean="0"/>
+              <a:rPr lang="en-US"/>
               <a:t>Fifth level</a:t>
             </a:r>
-            <a:endParaRPr lang="en-US"/>
           </a:p>
         </p:txBody>
       </p:sp>
@@ -1203,38 +1192,37 @@
           <a:p>
             <a:pPr lvl="0"/>
             <a:r>
-              <a:rPr lang="en-US" smtClean="0"/>
+              <a:rPr lang="en-US"/>
               <a:t>Click to edit Master text styles</a:t>
             </a:r>
           </a:p>
           <a:p>
             <a:pPr lvl="1"/>
             <a:r>
-              <a:rPr lang="en-US" smtClean="0"/>
+              <a:rPr lang="en-US"/>
               <a:t>Second level</a:t>
             </a:r>
           </a:p>
           <a:p>
             <a:pPr lvl="2"/>
             <a:r>
-              <a:rPr lang="en-US" smtClean="0"/>
+              <a:rPr lang="en-US"/>
               <a:t>Third level</a:t>
             </a:r>
           </a:p>
           <a:p>
             <a:pPr lvl="3"/>
             <a:r>
-              <a:rPr lang="en-US" smtClean="0"/>
+              <a:rPr lang="en-US"/>
               <a:t>Fourth level</a:t>
             </a:r>
           </a:p>
           <a:p>
             <a:pPr lvl="4"/>
             <a:r>
-              <a:rPr lang="en-US" smtClean="0"/>
+              <a:rPr lang="en-US"/>
               <a:t>Fifth level</a:t>
             </a:r>
-            <a:endParaRPr lang="en-US"/>
           </a:p>
         </p:txBody>
       </p:sp>
@@ -1255,7 +1243,7 @@
           <a:p>
             <a:fld id="{1C4036AE-D037-204C-82E5-9B83F4DE0092}" type="datetimeFigureOut">
               <a:rPr lang="en-US" smtClean="0"/>
-              <a:t>4/1/17</a:t>
+              <a:t>1/2/2019</a:t>
             </a:fld>
             <a:endParaRPr lang="en-US"/>
           </a:p>
@@ -1354,10 +1342,9 @@
           <a:lstStyle/>
           <a:p>
             <a:r>
-              <a:rPr lang="en-US" smtClean="0"/>
+              <a:rPr lang="en-US"/>
               <a:t>Click to edit Master title style</a:t>
             </a:r>
-            <a:endParaRPr lang="en-US"/>
           </a:p>
         </p:txBody>
       </p:sp>
@@ -1420,7 +1407,7 @@
           <a:p>
             <a:pPr lvl="0"/>
             <a:r>
-              <a:rPr lang="en-US" smtClean="0"/>
+              <a:rPr lang="en-US"/>
               <a:t>Click to edit Master text styles</a:t>
             </a:r>
           </a:p>
@@ -1448,38 +1435,37 @@
           <a:p>
             <a:pPr lvl="0"/>
             <a:r>
-              <a:rPr lang="en-US" smtClean="0"/>
+              <a:rPr lang="en-US"/>
               <a:t>Click to edit Master text styles</a:t>
             </a:r>
           </a:p>
           <a:p>
             <a:pPr lvl="1"/>
             <a:r>
-              <a:rPr lang="en-US" smtClean="0"/>
+              <a:rPr lang="en-US"/>
               <a:t>Second level</a:t>
             </a:r>
           </a:p>
           <a:p>
             <a:pPr lvl="2"/>
             <a:r>
-              <a:rPr lang="en-US" smtClean="0"/>
+              <a:rPr lang="en-US"/>
               <a:t>Third level</a:t>
             </a:r>
           </a:p>
           <a:p>
             <a:pPr lvl="3"/>
             <a:r>
-              <a:rPr lang="en-US" smtClean="0"/>
+              <a:rPr lang="en-US"/>
               <a:t>Fourth level</a:t>
             </a:r>
           </a:p>
           <a:p>
             <a:pPr lvl="4"/>
             <a:r>
-              <a:rPr lang="en-US" smtClean="0"/>
+              <a:rPr lang="en-US"/>
               <a:t>Fifth level</a:t>
             </a:r>
-            <a:endParaRPr lang="en-US"/>
           </a:p>
         </p:txBody>
       </p:sp>
@@ -1542,7 +1528,7 @@
           <a:p>
             <a:pPr lvl="0"/>
             <a:r>
-              <a:rPr lang="en-US" smtClean="0"/>
+              <a:rPr lang="en-US"/>
               <a:t>Click to edit Master text styles</a:t>
             </a:r>
           </a:p>
@@ -1570,38 +1556,37 @@
           <a:p>
             <a:pPr lvl="0"/>
             <a:r>
-              <a:rPr lang="en-US" smtClean="0"/>
+              <a:rPr lang="en-US"/>
               <a:t>Click to edit Master text styles</a:t>
             </a:r>
           </a:p>
           <a:p>
             <a:pPr lvl="1"/>
             <a:r>
-              <a:rPr lang="en-US" smtClean="0"/>
+              <a:rPr lang="en-US"/>
               <a:t>Second level</a:t>
             </a:r>
           </a:p>
           <a:p>
             <a:pPr lvl="2"/>
             <a:r>
-              <a:rPr lang="en-US" smtClean="0"/>
+              <a:rPr lang="en-US"/>
               <a:t>Third level</a:t>
             </a:r>
           </a:p>
           <a:p>
             <a:pPr lvl="3"/>
             <a:r>
-              <a:rPr lang="en-US" smtClean="0"/>
+              <a:rPr lang="en-US"/>
               <a:t>Fourth level</a:t>
             </a:r>
           </a:p>
           <a:p>
             <a:pPr lvl="4"/>
             <a:r>
-              <a:rPr lang="en-US" smtClean="0"/>
+              <a:rPr lang="en-US"/>
               <a:t>Fifth level</a:t>
             </a:r>
-            <a:endParaRPr lang="en-US"/>
           </a:p>
         </p:txBody>
       </p:sp>
@@ -1622,7 +1607,7 @@
           <a:p>
             <a:fld id="{1C4036AE-D037-204C-82E5-9B83F4DE0092}" type="datetimeFigureOut">
               <a:rPr lang="en-US" smtClean="0"/>
-              <a:t>4/1/17</a:t>
+              <a:t>1/2/2019</a:t>
             </a:fld>
             <a:endParaRPr lang="en-US"/>
           </a:p>
@@ -1716,10 +1701,9 @@
           <a:lstStyle/>
           <a:p>
             <a:r>
-              <a:rPr lang="en-US" smtClean="0"/>
+              <a:rPr lang="en-US"/>
               <a:t>Click to edit Master title style</a:t>
             </a:r>
-            <a:endParaRPr lang="en-US"/>
           </a:p>
         </p:txBody>
       </p:sp>
@@ -1740,7 +1724,7 @@
           <a:p>
             <a:fld id="{1C4036AE-D037-204C-82E5-9B83F4DE0092}" type="datetimeFigureOut">
               <a:rPr lang="en-US" smtClean="0"/>
-              <a:t>4/1/17</a:t>
+              <a:t>1/2/2019</a:t>
             </a:fld>
             <a:endParaRPr lang="en-US"/>
           </a:p>
@@ -1835,7 +1819,7 @@
           <a:p>
             <a:fld id="{1C4036AE-D037-204C-82E5-9B83F4DE0092}" type="datetimeFigureOut">
               <a:rPr lang="en-US" smtClean="0"/>
-              <a:t>4/1/17</a:t>
+              <a:t>1/2/2019</a:t>
             </a:fld>
             <a:endParaRPr lang="en-US"/>
           </a:p>
@@ -1938,10 +1922,9 @@
           </a:lstStyle>
           <a:p>
             <a:r>
-              <a:rPr lang="en-US" smtClean="0"/>
+              <a:rPr lang="en-US"/>
               <a:t>Click to edit Master title style</a:t>
             </a:r>
-            <a:endParaRPr lang="en-US"/>
           </a:p>
         </p:txBody>
       </p:sp>
@@ -1995,38 +1978,37 @@
           <a:p>
             <a:pPr lvl="0"/>
             <a:r>
-              <a:rPr lang="en-US" smtClean="0"/>
+              <a:rPr lang="en-US"/>
               <a:t>Click to edit Master text styles</a:t>
             </a:r>
           </a:p>
           <a:p>
             <a:pPr lvl="1"/>
             <a:r>
-              <a:rPr lang="en-US" smtClean="0"/>
+              <a:rPr lang="en-US"/>
               <a:t>Second level</a:t>
             </a:r>
           </a:p>
           <a:p>
             <a:pPr lvl="2"/>
             <a:r>
-              <a:rPr lang="en-US" smtClean="0"/>
+              <a:rPr lang="en-US"/>
               <a:t>Third level</a:t>
             </a:r>
           </a:p>
           <a:p>
             <a:pPr lvl="3"/>
             <a:r>
-              <a:rPr lang="en-US" smtClean="0"/>
+              <a:rPr lang="en-US"/>
               <a:t>Fourth level</a:t>
             </a:r>
           </a:p>
           <a:p>
             <a:pPr lvl="4"/>
             <a:r>
-              <a:rPr lang="en-US" smtClean="0"/>
+              <a:rPr lang="en-US"/>
               <a:t>Fifth level</a:t>
             </a:r>
-            <a:endParaRPr lang="en-US"/>
           </a:p>
         </p:txBody>
       </p:sp>
@@ -2089,7 +2071,7 @@
           <a:p>
             <a:pPr lvl="0"/>
             <a:r>
-              <a:rPr lang="en-US" smtClean="0"/>
+              <a:rPr lang="en-US"/>
               <a:t>Click to edit Master text styles</a:t>
             </a:r>
           </a:p>
@@ -2112,7 +2094,7 @@
           <a:p>
             <a:fld id="{1C4036AE-D037-204C-82E5-9B83F4DE0092}" type="datetimeFigureOut">
               <a:rPr lang="en-US" smtClean="0"/>
-              <a:t>4/1/17</a:t>
+              <a:t>1/2/2019</a:t>
             </a:fld>
             <a:endParaRPr lang="en-US"/>
           </a:p>
@@ -2215,10 +2197,9 @@
           </a:lstStyle>
           <a:p>
             <a:r>
-              <a:rPr lang="en-US" smtClean="0"/>
+              <a:rPr lang="en-US"/>
               <a:t>Click to edit Master title style</a:t>
             </a:r>
-            <a:endParaRPr lang="en-US"/>
           </a:p>
         </p:txBody>
       </p:sp>
@@ -2342,7 +2323,7 @@
           <a:p>
             <a:pPr lvl="0"/>
             <a:r>
-              <a:rPr lang="en-US" smtClean="0"/>
+              <a:rPr lang="en-US"/>
               <a:t>Click to edit Master text styles</a:t>
             </a:r>
           </a:p>
@@ -2365,7 +2346,7 @@
           <a:p>
             <a:fld id="{1C4036AE-D037-204C-82E5-9B83F4DE0092}" type="datetimeFigureOut">
               <a:rPr lang="en-US" smtClean="0"/>
-              <a:t>4/1/17</a:t>
+              <a:t>1/2/2019</a:t>
             </a:fld>
             <a:endParaRPr lang="en-US"/>
           </a:p>
@@ -2474,10 +2455,9 @@
           <a:lstStyle/>
           <a:p>
             <a:r>
-              <a:rPr lang="en-US" smtClean="0"/>
+              <a:rPr lang="en-US"/>
               <a:t>Click to edit Master title style</a:t>
             </a:r>
-            <a:endParaRPr lang="en-US"/>
           </a:p>
         </p:txBody>
       </p:sp>
@@ -2508,38 +2488,37 @@
           <a:p>
             <a:pPr lvl="0"/>
             <a:r>
-              <a:rPr lang="en-US" smtClean="0"/>
+              <a:rPr lang="en-US"/>
               <a:t>Click to edit Master text styles</a:t>
             </a:r>
           </a:p>
           <a:p>
             <a:pPr lvl="1"/>
             <a:r>
-              <a:rPr lang="en-US" smtClean="0"/>
+              <a:rPr lang="en-US"/>
               <a:t>Second level</a:t>
             </a:r>
           </a:p>
           <a:p>
             <a:pPr lvl="2"/>
             <a:r>
-              <a:rPr lang="en-US" smtClean="0"/>
+              <a:rPr lang="en-US"/>
               <a:t>Third level</a:t>
             </a:r>
           </a:p>
           <a:p>
             <a:pPr lvl="3"/>
             <a:r>
-              <a:rPr lang="en-US" smtClean="0"/>
+              <a:rPr lang="en-US"/>
               <a:t>Fourth level</a:t>
             </a:r>
           </a:p>
           <a:p>
             <a:pPr lvl="4"/>
             <a:r>
-              <a:rPr lang="en-US" smtClean="0"/>
+              <a:rPr lang="en-US"/>
               <a:t>Fifth level</a:t>
             </a:r>
-            <a:endParaRPr lang="en-US"/>
           </a:p>
         </p:txBody>
       </p:sp>
@@ -2578,7 +2557,7 @@
           <a:p>
             <a:fld id="{1C4036AE-D037-204C-82E5-9B83F4DE0092}" type="datetimeFigureOut">
               <a:rPr lang="en-US" smtClean="0"/>
-              <a:t>4/1/17</a:t>
+              <a:t>1/2/2019</a:t>
             </a:fld>
             <a:endParaRPr lang="en-US"/>
           </a:p>
@@ -2999,7 +2978,7 @@
           <a:lstStyle/>
           <a:p>
             <a:r>
-              <a:rPr lang="en-US" altLang="zh-CN" dirty="0" err="1" smtClean="0">
+              <a:rPr lang="en-US" altLang="zh-CN" dirty="0" err="1">
                 <a:latin typeface="Heiti SC Light" charset="-122"/>
                 <a:ea typeface="Heiti SC Light" charset="-122"/>
                 <a:cs typeface="Heiti SC Light" charset="-122"/>
@@ -3007,7 +2986,7 @@
               <a:t>Tensorflow</a:t>
             </a:r>
             <a:r>
-              <a:rPr lang="zh-CN" altLang="en-US" dirty="0" smtClean="0">
+              <a:rPr lang="zh-CN" altLang="en-US" dirty="0">
                 <a:latin typeface="Heiti SC Light" charset="-122"/>
                 <a:ea typeface="Heiti SC Light" charset="-122"/>
                 <a:cs typeface="Heiti SC Light" charset="-122"/>
@@ -3024,7 +3003,13 @@
       </p:sp>
       <p:sp>
         <p:nvSpPr>
-          <p:cNvPr id="3" name="Subtitle 2"/>
+          <p:cNvPr id="5" name="副标题 4">
+            <a:extLst>
+              <a:ext uri="{FF2B5EF4-FFF2-40B4-BE49-F238E27FC236}">
+                <a16:creationId xmlns:a16="http://schemas.microsoft.com/office/drawing/2014/main" id="{E4DCB0B1-C1CE-49FA-BCC2-9C517193CA57}"/>
+              </a:ext>
+            </a:extLst>
+          </p:cNvPr>
           <p:cNvSpPr>
             <a:spLocks noGrp="1"/>
           </p:cNvSpPr>
@@ -3032,21 +3017,12 @@
             <p:ph type="subTitle" idx="1"/>
           </p:nvPr>
         </p:nvSpPr>
-        <p:spPr>
-          <a:xfrm>
-            <a:off x="1524000" y="4116388"/>
-            <a:ext cx="9144000" cy="1655762"/>
-          </a:xfrm>
-        </p:spPr>
+        <p:spPr/>
         <p:txBody>
           <a:bodyPr/>
           <a:lstStyle/>
           <a:p>
-            <a:r>
-              <a:rPr lang="zh-CN" altLang="en-US" dirty="0" smtClean="0"/>
-              <a:t>王秋里</a:t>
-            </a:r>
-            <a:endParaRPr lang="en-US" dirty="0"/>
+            <a:endParaRPr lang="zh-CN" altLang="en-US"/>
           </a:p>
         </p:txBody>
       </p:sp>
@@ -3060,13 +3036,6 @@
   <p:clrMapOvr>
     <a:masterClrMapping/>
   </p:clrMapOvr>
-  <p:timing>
-    <p:tnLst>
-      <p:par>
-        <p:cTn id="1" dur="indefinite" restart="never" nodeType="tmRoot"/>
-      </p:par>
-    </p:tnLst>
-  </p:timing>
 </p:sld>
 </file>
 
@@ -3103,10 +3072,9 @@
           <a:lstStyle/>
           <a:p>
             <a:r>
-              <a:rPr lang="en-US" dirty="0" smtClean="0"/>
+              <a:rPr lang="en-US" dirty="0"/>
               <a:t>3. Linear Regression</a:t>
             </a:r>
-            <a:endParaRPr lang="en-US" dirty="0"/>
           </a:p>
         </p:txBody>
       </p:sp>
@@ -3132,35 +3100,35 @@
           <a:lstStyle/>
           <a:p>
             <a:r>
-              <a:rPr lang="en-US" sz="2000" b="1" dirty="0" smtClean="0">
+              <a:rPr lang="en-US" sz="2000" b="1" dirty="0">
                 <a:effectLst/>
                 <a:latin typeface="Menlo" charset="0"/>
               </a:rPr>
               <a:t># sum (</a:t>
             </a:r>
             <a:r>
-              <a:rPr lang="en-US" sz="2000" b="1" dirty="0" err="1" smtClean="0">
+              <a:rPr lang="en-US" sz="2000" b="1" dirty="0" err="1">
                 <a:effectLst/>
                 <a:latin typeface="Menlo" charset="0"/>
               </a:rPr>
               <a:t>Y_pred</a:t>
             </a:r>
             <a:r>
-              <a:rPr lang="en-US" sz="2000" b="1" dirty="0" smtClean="0">
+              <a:rPr lang="en-US" sz="2000" b="1" dirty="0">
                 <a:effectLst/>
                 <a:latin typeface="Menlo" charset="0"/>
               </a:rPr>
               <a:t> - Y)^2 / (</a:t>
             </a:r>
             <a:r>
-              <a:rPr lang="en-US" sz="2000" b="1" dirty="0" err="1" smtClean="0">
+              <a:rPr lang="en-US" sz="2000" b="1" dirty="0" err="1">
                 <a:effectLst/>
                 <a:latin typeface="Menlo" charset="0"/>
               </a:rPr>
               <a:t>n_observations</a:t>
             </a:r>
             <a:r>
-              <a:rPr lang="en-US" sz="2000" b="1" dirty="0" smtClean="0">
+              <a:rPr lang="en-US" sz="2000" b="1" dirty="0">
                 <a:effectLst/>
                 <a:latin typeface="Menlo" charset="0"/>
               </a:rPr>
@@ -3169,63 +3137,63 @@
           </a:p>
           <a:p>
             <a:r>
-              <a:rPr lang="en-US" sz="2000" b="1" dirty="0" smtClean="0">
+              <a:rPr lang="en-US" sz="2000" b="1" dirty="0">
                 <a:effectLst/>
                 <a:latin typeface="Menlo" charset="0"/>
               </a:rPr>
               <a:t>cost = </a:t>
             </a:r>
             <a:r>
-              <a:rPr lang="en-US" sz="2000" b="1" dirty="0" err="1" smtClean="0">
+              <a:rPr lang="en-US" sz="2000" b="1" dirty="0" err="1">
                 <a:effectLst/>
                 <a:latin typeface="Menlo" charset="0"/>
               </a:rPr>
               <a:t>tf.reduce_sum</a:t>
             </a:r>
             <a:r>
-              <a:rPr lang="en-US" sz="2000" b="1" dirty="0" smtClean="0">
+              <a:rPr lang="en-US" sz="2000" b="1" dirty="0">
                 <a:effectLst/>
                 <a:latin typeface="Menlo" charset="0"/>
               </a:rPr>
               <a:t>(</a:t>
             </a:r>
             <a:r>
-              <a:rPr lang="en-US" sz="2000" b="1" dirty="0" err="1" smtClean="0">
+              <a:rPr lang="en-US" sz="2000" b="1" dirty="0" err="1">
                 <a:effectLst/>
                 <a:latin typeface="Menlo" charset="0"/>
               </a:rPr>
               <a:t>tf.pow</a:t>
             </a:r>
             <a:r>
-              <a:rPr lang="en-US" sz="2000" b="1" dirty="0" smtClean="0">
+              <a:rPr lang="en-US" sz="2000" b="1" dirty="0">
                 <a:effectLst/>
                 <a:latin typeface="Menlo" charset="0"/>
               </a:rPr>
               <a:t>(</a:t>
             </a:r>
             <a:r>
-              <a:rPr lang="en-US" sz="2000" b="1" dirty="0" err="1" smtClean="0">
+              <a:rPr lang="en-US" sz="2000" b="1" dirty="0" err="1">
                 <a:effectLst/>
                 <a:latin typeface="Menlo" charset="0"/>
               </a:rPr>
               <a:t>Y_pred</a:t>
             </a:r>
             <a:r>
-              <a:rPr lang="en-US" sz="2000" b="1" dirty="0" smtClean="0">
+              <a:rPr lang="en-US" sz="2000" b="1" dirty="0">
                 <a:effectLst/>
                 <a:latin typeface="Menlo" charset="0"/>
               </a:rPr>
               <a:t> - Y, 2)) / (</a:t>
             </a:r>
             <a:r>
-              <a:rPr lang="en-US" sz="2000" b="1" dirty="0" err="1" smtClean="0">
+              <a:rPr lang="en-US" sz="2000" b="1" dirty="0" err="1">
                 <a:effectLst/>
                 <a:latin typeface="Menlo" charset="0"/>
               </a:rPr>
               <a:t>n_observations</a:t>
             </a:r>
             <a:r>
-              <a:rPr lang="en-US" sz="2000" b="1" dirty="0" smtClean="0">
+              <a:rPr lang="en-US" sz="2000" b="1" dirty="0">
                 <a:effectLst/>
                 <a:latin typeface="Menlo" charset="0"/>
               </a:rPr>
@@ -3233,28 +3201,21 @@
             </a:r>
           </a:p>
           <a:p>
-            <a:r>
-              <a:rPr lang="en-US" sz="2000" b="1" dirty="0" smtClean="0">
-                <a:effectLst/>
-                <a:latin typeface="Menlo" charset="0"/>
-              </a:rPr>
-              <a:t/>
-            </a:r>
             <a:br>
-              <a:rPr lang="en-US" sz="2000" b="1" dirty="0" smtClean="0">
+              <a:rPr lang="en-US" sz="2000" b="1" dirty="0">
                 <a:effectLst/>
                 <a:latin typeface="Menlo" charset="0"/>
               </a:rPr>
             </a:br>
             <a:r>
-              <a:rPr lang="en-US" sz="2000" b="1" dirty="0" smtClean="0">
+              <a:rPr lang="en-US" sz="2000" b="1" dirty="0">
                 <a:effectLst/>
                 <a:latin typeface="Menlo" charset="0"/>
               </a:rPr>
               <a:t># %% Use gradient descent to optimize </a:t>
             </a:r>
             <a:r>
-              <a:rPr lang="en-US" sz="2000" b="1" dirty="0" err="1" smtClean="0">
+              <a:rPr lang="en-US" sz="2000" b="1" dirty="0" err="1">
                 <a:effectLst/>
                 <a:latin typeface="Menlo" charset="0"/>
               </a:rPr>
@@ -3265,67 +3226,63 @@
             </a:endParaRPr>
           </a:p>
           <a:p>
-            <a:endParaRPr lang="en-US" sz="2000" b="1" dirty="0" smtClean="0">
-              <a:effectLst/>
-              <a:latin typeface="Menlo" charset="0"/>
-            </a:endParaRPr>
-          </a:p>
-          <a:p>
-            <a:r>
-              <a:rPr lang="en-US" sz="2000" b="1" dirty="0" err="1" smtClean="0">
-                <a:effectLst/>
-                <a:latin typeface="Menlo" charset="0"/>
-              </a:rPr>
-              <a:t>learning_rate</a:t>
-            </a:r>
-            <a:r>
-              <a:rPr lang="en-US" sz="2000" b="1" dirty="0" smtClean="0">
-                <a:effectLst/>
-                <a:latin typeface="Menlo" charset="0"/>
-              </a:rPr>
-              <a:t> = 0.01</a:t>
-            </a:r>
-          </a:p>
-          <a:p>
-            <a:r>
-              <a:rPr lang="en-US" sz="2000" b="1" dirty="0" smtClean="0">
-                <a:effectLst/>
-                <a:latin typeface="Menlo" charset="0"/>
-              </a:rPr>
-              <a:t>optimizer = </a:t>
-            </a:r>
-            <a:r>
-              <a:rPr lang="en-US" sz="2000" b="1" dirty="0" err="1" smtClean="0">
-                <a:effectLst/>
-                <a:latin typeface="Menlo" charset="0"/>
-              </a:rPr>
-              <a:t>tf.train.GradientDescentOptimizer</a:t>
-            </a:r>
-            <a:r>
-              <a:rPr lang="en-US" sz="2000" b="1" dirty="0" smtClean="0">
-                <a:effectLst/>
-                <a:latin typeface="Menlo" charset="0"/>
-              </a:rPr>
-              <a:t>(</a:t>
-            </a:r>
-            <a:r>
-              <a:rPr lang="en-US" sz="2000" b="1" dirty="0" err="1" smtClean="0">
-                <a:effectLst/>
-                <a:latin typeface="Menlo" charset="0"/>
-              </a:rPr>
-              <a:t>learning_rate</a:t>
-            </a:r>
-            <a:r>
-              <a:rPr lang="en-US" sz="2000" b="1" dirty="0" smtClean="0">
-                <a:effectLst/>
-                <a:latin typeface="Menlo" charset="0"/>
-              </a:rPr>
-              <a:t>).minimize(cost)</a:t>
-            </a:r>
             <a:endParaRPr lang="en-US" sz="2000" b="1" dirty="0">
               <a:effectLst/>
               <a:latin typeface="Menlo" charset="0"/>
             </a:endParaRPr>
+          </a:p>
+          <a:p>
+            <a:r>
+              <a:rPr lang="en-US" sz="2000" b="1" dirty="0" err="1">
+                <a:effectLst/>
+                <a:latin typeface="Menlo" charset="0"/>
+              </a:rPr>
+              <a:t>learning_rate</a:t>
+            </a:r>
+            <a:r>
+              <a:rPr lang="en-US" sz="2000" b="1" dirty="0">
+                <a:effectLst/>
+                <a:latin typeface="Menlo" charset="0"/>
+              </a:rPr>
+              <a:t> = 0.01</a:t>
+            </a:r>
+          </a:p>
+          <a:p>
+            <a:r>
+              <a:rPr lang="en-US" sz="2000" b="1" dirty="0">
+                <a:effectLst/>
+                <a:latin typeface="Menlo" charset="0"/>
+              </a:rPr>
+              <a:t>optimizer = </a:t>
+            </a:r>
+            <a:r>
+              <a:rPr lang="en-US" sz="2000" b="1" dirty="0" err="1">
+                <a:effectLst/>
+                <a:latin typeface="Menlo" charset="0"/>
+              </a:rPr>
+              <a:t>tf.train.GradientDescentOptimizer</a:t>
+            </a:r>
+            <a:r>
+              <a:rPr lang="en-US" sz="2000" b="1" dirty="0">
+                <a:effectLst/>
+                <a:latin typeface="Menlo" charset="0"/>
+              </a:rPr>
+              <a:t>(</a:t>
+            </a:r>
+            <a:r>
+              <a:rPr lang="en-US" sz="2000" b="1" dirty="0" err="1">
+                <a:effectLst/>
+                <a:latin typeface="Menlo" charset="0"/>
+              </a:rPr>
+              <a:t>learning_rate</a:t>
+            </a:r>
+            <a:r>
+              <a:rPr lang="en-US" sz="2000" b="1" dirty="0">
+                <a:effectLst/>
+                <a:latin typeface="Menlo" charset="0"/>
+              </a:rPr>
+              <a:t>).minimize(cost)</a:t>
+            </a:r>
           </a:p>
         </p:txBody>
       </p:sp>
@@ -3381,14 +3338,14 @@
           <a:lstStyle/>
           <a:p>
             <a:r>
-              <a:rPr lang="en-US" b="1" dirty="0" err="1" smtClean="0">
+              <a:rPr lang="en-US" b="1" dirty="0" err="1">
                 <a:effectLst/>
                 <a:latin typeface="Menlo" charset="0"/>
               </a:rPr>
               <a:t>n_epochs</a:t>
             </a:r>
             <a:r>
-              <a:rPr lang="en-US" b="1" dirty="0" smtClean="0">
+              <a:rPr lang="en-US" b="1" dirty="0">
                 <a:effectLst/>
                 <a:latin typeface="Menlo" charset="0"/>
               </a:rPr>
@@ -3397,35 +3354,35 @@
           </a:p>
           <a:p>
             <a:r>
-              <a:rPr lang="en-US" b="1" dirty="0" smtClean="0">
+              <a:rPr lang="en-US" b="1" dirty="0">
                 <a:effectLst/>
                 <a:latin typeface="Menlo" charset="0"/>
               </a:rPr>
               <a:t>with </a:t>
             </a:r>
             <a:r>
-              <a:rPr lang="en-US" b="1" dirty="0" err="1" smtClean="0">
+              <a:rPr lang="en-US" b="1" dirty="0" err="1">
                 <a:effectLst/>
                 <a:latin typeface="Menlo" charset="0"/>
               </a:rPr>
               <a:t>tf.Session</a:t>
             </a:r>
             <a:r>
-              <a:rPr lang="en-US" b="1" dirty="0" smtClean="0">
+              <a:rPr lang="en-US" b="1" dirty="0">
                 <a:effectLst/>
                 <a:latin typeface="Menlo" charset="0"/>
               </a:rPr>
               <a:t>() as </a:t>
             </a:r>
             <a:r>
-              <a:rPr lang="en-US" b="1" dirty="0" err="1" smtClean="0">
+              <a:rPr lang="en-US" b="1" dirty="0" err="1">
                 <a:effectLst/>
                 <a:latin typeface="Menlo" charset="0"/>
               </a:rPr>
               <a:t>sess</a:t>
             </a:r>
             <a:r>
-              <a:rPr lang="en-US" b="1" dirty="0" smtClean="0">
+              <a:rPr lang="en-US" b="1" dirty="0">
                 <a:effectLst/>
                 <a:latin typeface="Menlo" charset="0"/>
               </a:rPr>
@@ -3434,35 +3391,35 @@
           </a:p>
           <a:p>
             <a:r>
-              <a:rPr lang="en-US" b="1" dirty="0" smtClean="0">
+              <a:rPr lang="en-US" b="1" dirty="0">
                 <a:effectLst/>
                 <a:latin typeface="Menlo" charset="0"/>
               </a:rPr>
               <a:t>    </a:t>
             </a:r>
             <a:r>
-              <a:rPr lang="en-US" b="1" dirty="0" err="1" smtClean="0">
+              <a:rPr lang="en-US" b="1" dirty="0" err="1">
                 <a:effectLst/>
                 <a:latin typeface="Menlo" charset="0"/>
               </a:rPr>
               <a:t>sess.run</a:t>
             </a:r>
             <a:r>
-              <a:rPr lang="en-US" b="1" dirty="0" smtClean="0">
+              <a:rPr lang="en-US" b="1" dirty="0">
                 <a:effectLst/>
                 <a:latin typeface="Menlo" charset="0"/>
               </a:rPr>
               <a:t>(</a:t>
             </a:r>
             <a:r>
-              <a:rPr lang="en-US" b="1" dirty="0" err="1" smtClean="0">
+              <a:rPr lang="en-US" b="1" dirty="0" err="1">
                 <a:effectLst/>
                 <a:latin typeface="Menlo" charset="0"/>
               </a:rPr>
               <a:t>tf.global_variables_initializer</a:t>
             </a:r>
             <a:r>
-              <a:rPr lang="en-US" b="1" dirty="0" smtClean="0">
+              <a:rPr lang="en-US" b="1" dirty="0">
                 <a:effectLst/>
                 <a:latin typeface="Menlo" charset="0"/>
               </a:rPr>
@@ -3470,21 +3427,14 @@
             </a:r>
           </a:p>
           <a:p>
-            <a:r>
-              <a:rPr lang="en-US" b="1" dirty="0" smtClean="0">
-                <a:effectLst/>
-                <a:latin typeface="Menlo" charset="0"/>
-              </a:rPr>
-              <a:t/>
-            </a:r>
             <a:br>
-              <a:rPr lang="en-US" b="1" dirty="0" smtClean="0">
+              <a:rPr lang="en-US" b="1" dirty="0">
                 <a:effectLst/>
                 <a:latin typeface="Menlo" charset="0"/>
               </a:rPr>
             </a:br>
             <a:r>
-              <a:rPr lang="en-US" b="1" dirty="0" smtClean="0">
+              <a:rPr lang="en-US" b="1" dirty="0">
                 <a:effectLst/>
                 <a:latin typeface="Menlo" charset="0"/>
               </a:rPr>
@@ -3493,21 +3443,21 @@
           </a:p>
           <a:p>
             <a:r>
-              <a:rPr lang="en-US" b="1" dirty="0" smtClean="0">
+              <a:rPr lang="en-US" b="1" dirty="0">
                 <a:effectLst/>
                 <a:latin typeface="Menlo" charset="0"/>
               </a:rPr>
               <a:t>    </a:t>
             </a:r>
             <a:r>
-              <a:rPr lang="en-US" b="1" dirty="0" err="1" smtClean="0">
+              <a:rPr lang="en-US" b="1" dirty="0" err="1">
                 <a:effectLst/>
                 <a:latin typeface="Menlo" charset="0"/>
               </a:rPr>
               <a:t>prev_training_cost</a:t>
             </a:r>
             <a:r>
-              <a:rPr lang="en-US" b="1" dirty="0" smtClean="0">
+              <a:rPr lang="en-US" b="1" dirty="0">
                 <a:effectLst/>
                 <a:latin typeface="Menlo" charset="0"/>
               </a:rPr>
@@ -3516,35 +3466,35 @@
           </a:p>
           <a:p>
             <a:r>
-              <a:rPr lang="en-US" b="1" dirty="0" smtClean="0">
+              <a:rPr lang="en-US" b="1" dirty="0">
                 <a:effectLst/>
                 <a:latin typeface="Menlo" charset="0"/>
               </a:rPr>
               <a:t>    for </a:t>
             </a:r>
             <a:r>
-              <a:rPr lang="en-US" b="1" dirty="0" err="1" smtClean="0">
+              <a:rPr lang="en-US" b="1" dirty="0" err="1">
                 <a:effectLst/>
                 <a:latin typeface="Menlo" charset="0"/>
               </a:rPr>
               <a:t>epoch_i</a:t>
             </a:r>
             <a:r>
-              <a:rPr lang="en-US" b="1" dirty="0" smtClean="0">
+              <a:rPr lang="en-US" b="1" dirty="0">
                 <a:effectLst/>
                 <a:latin typeface="Menlo" charset="0"/>
               </a:rPr>
               <a:t> in range(</a:t>
             </a:r>
             <a:r>
-              <a:rPr lang="en-US" b="1" dirty="0" err="1" smtClean="0">
+              <a:rPr lang="en-US" b="1" dirty="0" err="1">
                 <a:effectLst/>
                 <a:latin typeface="Menlo" charset="0"/>
               </a:rPr>
               <a:t>n_epochs</a:t>
             </a:r>
             <a:r>
-              <a:rPr lang="en-US" b="1" dirty="0" smtClean="0">
+              <a:rPr lang="en-US" b="1" dirty="0">
                 <a:effectLst/>
                 <a:latin typeface="Menlo" charset="0"/>
               </a:rPr>
@@ -3553,35 +3503,35 @@
           </a:p>
           <a:p>
             <a:r>
-              <a:rPr lang="en-US" b="1" dirty="0" smtClean="0">
+              <a:rPr lang="en-US" b="1" dirty="0">
                 <a:effectLst/>
                 <a:latin typeface="Menlo" charset="0"/>
               </a:rPr>
               <a:t>        for(x, y) in zip(</a:t>
             </a:r>
             <a:r>
-              <a:rPr lang="en-US" b="1" dirty="0" err="1" smtClean="0">
+              <a:rPr lang="en-US" b="1" dirty="0" err="1">
                 <a:effectLst/>
                 <a:latin typeface="Menlo" charset="0"/>
               </a:rPr>
               <a:t>xs</a:t>
             </a:r>
             <a:r>
-              <a:rPr lang="en-US" b="1" dirty="0" smtClean="0">
+              <a:rPr lang="en-US" b="1" dirty="0">
                 <a:effectLst/>
                 <a:latin typeface="Menlo" charset="0"/>
               </a:rPr>
               <a:t>, </a:t>
             </a:r>
             <a:r>
-              <a:rPr lang="en-US" b="1" dirty="0" err="1" smtClean="0">
+              <a:rPr lang="en-US" b="1" dirty="0" err="1">
                 <a:effectLst/>
                 <a:latin typeface="Menlo" charset="0"/>
               </a:rPr>
               <a:t>ys</a:t>
             </a:r>
             <a:r>
-              <a:rPr lang="en-US" b="1" dirty="0" smtClean="0">
+              <a:rPr lang="en-US" b="1" dirty="0">
                 <a:effectLst/>
                 <a:latin typeface="Menlo" charset="0"/>
               </a:rPr>
@@ -3590,35 +3540,35 @@
           </a:p>
           <a:p>
             <a:r>
-              <a:rPr lang="en-US" b="1" dirty="0" smtClean="0">
+              <a:rPr lang="en-US" b="1" dirty="0">
                 <a:effectLst/>
                 <a:latin typeface="Menlo" charset="0"/>
               </a:rPr>
               <a:t>            </a:t>
             </a:r>
             <a:r>
-              <a:rPr lang="en-US" b="1" dirty="0" err="1" smtClean="0">
+              <a:rPr lang="en-US" b="1" dirty="0" err="1">
                 <a:effectLst/>
                 <a:latin typeface="Menlo" charset="0"/>
               </a:rPr>
               <a:t>sess.run</a:t>
             </a:r>
             <a:r>
-              <a:rPr lang="en-US" b="1" dirty="0" smtClean="0">
+              <a:rPr lang="en-US" b="1" dirty="0">
                 <a:effectLst/>
                 <a:latin typeface="Menlo" charset="0"/>
               </a:rPr>
               <a:t>(optimizer, </a:t>
             </a:r>
             <a:r>
-              <a:rPr lang="en-US" b="1" dirty="0" err="1" smtClean="0">
+              <a:rPr lang="en-US" b="1" dirty="0" err="1">
                 <a:effectLst/>
                 <a:latin typeface="Menlo" charset="0"/>
               </a:rPr>
               <a:t>feed_dict</a:t>
             </a:r>
             <a:r>
-              <a:rPr lang="en-US" b="1" dirty="0" smtClean="0">
+              <a:rPr lang="en-US" b="1" dirty="0">
                 <a:effectLst/>
                 <a:latin typeface="Menlo" charset="0"/>
               </a:rPr>
@@ -3627,7 +3577,7 @@
           </a:p>
           <a:p>
             <a:r>
-              <a:rPr lang="en-US" b="1" dirty="0" smtClean="0">
+              <a:rPr lang="en-US" b="1" dirty="0">
                 <a:effectLst/>
                 <a:latin typeface="Menlo" charset="0"/>
               </a:rPr>
@@ -3640,42 +3590,42 @@
               <a:t> </a:t>
             </a:r>
             <a:r>
-              <a:rPr lang="en-US" b="1" dirty="0" err="1" smtClean="0">
+              <a:rPr lang="en-US" b="1" dirty="0" err="1">
                 <a:effectLst/>
                 <a:latin typeface="Menlo" charset="0"/>
               </a:rPr>
               <a:t>training_cost</a:t>
             </a:r>
             <a:r>
-              <a:rPr lang="en-US" b="1" dirty="0" smtClean="0">
+              <a:rPr lang="en-US" b="1" dirty="0">
                 <a:effectLst/>
                 <a:latin typeface="Menlo" charset="0"/>
               </a:rPr>
               <a:t> = </a:t>
             </a:r>
             <a:r>
-              <a:rPr lang="en-US" b="1" dirty="0" err="1" smtClean="0">
+              <a:rPr lang="en-US" b="1" dirty="0" err="1">
                 <a:effectLst/>
                 <a:latin typeface="Menlo" charset="0"/>
               </a:rPr>
               <a:t>sess.run</a:t>
             </a:r>
             <a:r>
-              <a:rPr lang="en-US" b="1" dirty="0" smtClean="0">
+              <a:rPr lang="en-US" b="1" dirty="0">
                 <a:effectLst/>
                 <a:latin typeface="Menlo" charset="0"/>
               </a:rPr>
               <a:t>(cost, </a:t>
             </a:r>
             <a:r>
-              <a:rPr lang="en-US" b="1" dirty="0" err="1" smtClean="0">
+              <a:rPr lang="en-US" b="1" dirty="0" err="1">
                 <a:effectLst/>
                 <a:latin typeface="Menlo" charset="0"/>
               </a:rPr>
               <a:t>feed_dict</a:t>
             </a:r>
             <a:r>
-              <a:rPr lang="en-US" b="1" dirty="0" smtClean="0">
+              <a:rPr lang="en-US" b="1" dirty="0">
                 <a:effectLst/>
                 <a:latin typeface="Menlo" charset="0"/>
               </a:rPr>
@@ -3687,30 +3637,24 @@
               <a:rPr lang="en-US" b="1" dirty="0">
                 <a:latin typeface="Menlo" charset="0"/>
               </a:rPr>
-              <a:t> </a:t>
-            </a:r>
-            <a:r>
-              <a:rPr lang="en-US" b="1" dirty="0" smtClean="0">
-                <a:latin typeface="Menlo" charset="0"/>
-              </a:rPr>
-              <a:t>       </a:t>
-            </a:r>
-            <a:r>
-              <a:rPr lang="en-US" b="1" dirty="0" smtClean="0">
+              <a:t>        </a:t>
+            </a:r>
+            <a:r>
+              <a:rPr lang="en-US" b="1" dirty="0">
                 <a:effectLst/>
                 <a:latin typeface="Menlo" charset="0"/>
               </a:rPr>
               <a:t>print(</a:t>
             </a:r>
             <a:r>
-              <a:rPr lang="en-US" b="1" dirty="0" err="1" smtClean="0">
+              <a:rPr lang="en-US" b="1" dirty="0" err="1">
                 <a:effectLst/>
                 <a:latin typeface="Menlo" charset="0"/>
               </a:rPr>
               <a:t>training_cost</a:t>
             </a:r>
             <a:r>
-              <a:rPr lang="en-US" b="1" dirty="0" smtClean="0">
+              <a:rPr lang="en-US" b="1" dirty="0">
                 <a:effectLst/>
                 <a:latin typeface="Menlo" charset="0"/>
               </a:rPr>
@@ -3719,49 +3663,49 @@
           </a:p>
           <a:p>
             <a:r>
-              <a:rPr lang="en-US" b="1" dirty="0" smtClean="0">
+              <a:rPr lang="en-US" b="1" dirty="0">
                 <a:effectLst/>
                 <a:latin typeface="Menlo" charset="0"/>
               </a:rPr>
               <a:t>        if </a:t>
             </a:r>
             <a:r>
-              <a:rPr lang="en-US" b="1" dirty="0" err="1" smtClean="0">
+              <a:rPr lang="en-US" b="1" dirty="0" err="1">
                 <a:effectLst/>
                 <a:latin typeface="Menlo" charset="0"/>
               </a:rPr>
               <a:t>np.abs</a:t>
             </a:r>
             <a:r>
-              <a:rPr lang="en-US" b="1" dirty="0" smtClean="0">
+              <a:rPr lang="en-US" b="1" dirty="0">
                 <a:effectLst/>
                 <a:latin typeface="Menlo" charset="0"/>
               </a:rPr>
               <a:t>(</a:t>
             </a:r>
             <a:r>
-              <a:rPr lang="en-US" b="1" dirty="0" err="1" smtClean="0">
+              <a:rPr lang="en-US" b="1" dirty="0" err="1">
                 <a:effectLst/>
                 <a:latin typeface="Menlo" charset="0"/>
               </a:rPr>
               <a:t>prev_training_cost</a:t>
             </a:r>
             <a:r>
-              <a:rPr lang="en-US" b="1" dirty="0" smtClean="0">
+              <a:rPr lang="en-US" b="1" dirty="0">
                 <a:effectLst/>
                 <a:latin typeface="Menlo" charset="0"/>
               </a:rPr>
               <a:t> - </a:t>
             </a:r>
             <a:r>
-              <a:rPr lang="en-US" b="1" dirty="0" err="1" smtClean="0">
+              <a:rPr lang="en-US" b="1" dirty="0" err="1">
                 <a:effectLst/>
                 <a:latin typeface="Menlo" charset="0"/>
               </a:rPr>
               <a:t>training_cost</a:t>
             </a:r>
             <a:r>
-              <a:rPr lang="en-US" b="1" dirty="0" smtClean="0">
+              <a:rPr lang="en-US" b="1" dirty="0">
                 <a:effectLst/>
                 <a:latin typeface="Menlo" charset="0"/>
               </a:rPr>
@@ -3770,7 +3714,7 @@
           </a:p>
           <a:p>
             <a:r>
-              <a:rPr lang="en-US" b="1" dirty="0" smtClean="0">
+              <a:rPr lang="en-US" b="1" dirty="0">
                 <a:effectLst/>
                 <a:latin typeface="Menlo" charset="0"/>
               </a:rPr>
@@ -3779,184 +3723,173 @@
           </a:p>
           <a:p>
             <a:r>
-              <a:rPr lang="en-US" b="1" dirty="0" smtClean="0">
+              <a:rPr lang="en-US" b="1" dirty="0">
                 <a:effectLst/>
                 <a:latin typeface="Menlo" charset="0"/>
               </a:rPr>
               <a:t>        </a:t>
             </a:r>
             <a:r>
-              <a:rPr lang="en-US" b="1" dirty="0" err="1" smtClean="0">
+              <a:rPr lang="en-US" b="1" dirty="0" err="1">
                 <a:effectLst/>
                 <a:latin typeface="Menlo" charset="0"/>
               </a:rPr>
               <a:t>prev_training_cost</a:t>
             </a:r>
             <a:r>
-              <a:rPr lang="en-US" b="1" dirty="0" smtClean="0">
+              <a:rPr lang="en-US" b="1" dirty="0">
                 <a:effectLst/>
                 <a:latin typeface="Menlo" charset="0"/>
               </a:rPr>
               <a:t> = </a:t>
             </a:r>
             <a:r>
-              <a:rPr lang="en-US" b="1" dirty="0" err="1" smtClean="0">
+              <a:rPr lang="en-US" b="1" dirty="0" err="1">
                 <a:effectLst/>
                 <a:latin typeface="Menlo" charset="0"/>
               </a:rPr>
               <a:t>training_cost</a:t>
-            </a:r>
-            <a:endParaRPr lang="en-US" b="1" dirty="0" smtClean="0">
-              <a:effectLst/>
-              <a:latin typeface="Menlo" charset="0"/>
-            </a:endParaRPr>
-          </a:p>
-          <a:p>
-            <a:r>
-              <a:rPr lang="en-US" b="1" dirty="0" smtClean="0">
-                <a:effectLst/>
-                <a:latin typeface="Menlo" charset="0"/>
-              </a:rPr>
-              <a:t/>
-            </a:r>
-            <a:br>
-              <a:rPr lang="en-US" b="1" dirty="0" smtClean="0">
-                <a:effectLst/>
-                <a:latin typeface="Menlo" charset="0"/>
-              </a:rPr>
-            </a:br>
-            <a:r>
-              <a:rPr lang="en-US" b="1" dirty="0" smtClean="0">
-                <a:effectLst/>
-                <a:latin typeface="Menlo" charset="0"/>
-              </a:rPr>
-              <a:t>    </a:t>
-            </a:r>
-            <a:r>
-              <a:rPr lang="en-US" b="1" dirty="0" err="1" smtClean="0">
-                <a:effectLst/>
-                <a:latin typeface="Menlo" charset="0"/>
-              </a:rPr>
-              <a:t>yp</a:t>
-            </a:r>
-            <a:r>
-              <a:rPr lang="en-US" b="1" dirty="0" smtClean="0">
-                <a:effectLst/>
-                <a:latin typeface="Menlo" charset="0"/>
-              </a:rPr>
-              <a:t> = </a:t>
-            </a:r>
-            <a:r>
-              <a:rPr lang="en-US" b="1" dirty="0" err="1" smtClean="0">
-                <a:effectLst/>
-                <a:latin typeface="Menlo" charset="0"/>
-              </a:rPr>
-              <a:t>Y_pred.eval</a:t>
-            </a:r>
-            <a:r>
-              <a:rPr lang="en-US" b="1" dirty="0" smtClean="0">
-                <a:effectLst/>
-                <a:latin typeface="Menlo" charset="0"/>
-              </a:rPr>
-              <a:t>(</a:t>
-            </a:r>
-            <a:r>
-              <a:rPr lang="en-US" b="1" dirty="0" err="1" smtClean="0">
-                <a:effectLst/>
-                <a:latin typeface="Menlo" charset="0"/>
-              </a:rPr>
-              <a:t>feed_dict</a:t>
-            </a:r>
-            <a:r>
-              <a:rPr lang="en-US" b="1" dirty="0" smtClean="0">
-                <a:effectLst/>
-                <a:latin typeface="Menlo" charset="0"/>
-              </a:rPr>
-              <a:t>={X: </a:t>
-            </a:r>
-            <a:r>
-              <a:rPr lang="en-US" b="1" dirty="0" err="1" smtClean="0">
-                <a:effectLst/>
-                <a:latin typeface="Menlo" charset="0"/>
-              </a:rPr>
-              <a:t>xs</a:t>
-            </a:r>
-            <a:r>
-              <a:rPr lang="en-US" b="1" dirty="0" smtClean="0">
-                <a:effectLst/>
-                <a:latin typeface="Menlo" charset="0"/>
-              </a:rPr>
-              <a:t>}, session=</a:t>
-            </a:r>
-            <a:r>
-              <a:rPr lang="en-US" b="1" dirty="0" err="1" smtClean="0">
-                <a:effectLst/>
-                <a:latin typeface="Menlo" charset="0"/>
-              </a:rPr>
-              <a:t>sess</a:t>
-            </a:r>
-            <a:r>
-              <a:rPr lang="en-US" b="1" dirty="0" smtClean="0">
-                <a:effectLst/>
-                <a:latin typeface="Menlo" charset="0"/>
-              </a:rPr>
-              <a:t>)</a:t>
-            </a:r>
-          </a:p>
-          <a:p>
-            <a:r>
-              <a:rPr lang="en-US" b="1" dirty="0" smtClean="0">
-                <a:effectLst/>
-                <a:latin typeface="Menlo" charset="0"/>
-              </a:rPr>
-              <a:t>    </a:t>
-            </a:r>
-            <a:r>
-              <a:rPr lang="en-US" b="1" dirty="0" err="1" smtClean="0">
-                <a:effectLst/>
-                <a:latin typeface="Menlo" charset="0"/>
-              </a:rPr>
-              <a:t>plt.plot</a:t>
-            </a:r>
-            <a:r>
-              <a:rPr lang="en-US" b="1" dirty="0" smtClean="0">
-                <a:effectLst/>
-                <a:latin typeface="Menlo" charset="0"/>
-              </a:rPr>
-              <a:t>(</a:t>
-            </a:r>
-            <a:r>
-              <a:rPr lang="en-US" b="1" dirty="0" err="1" smtClean="0">
-                <a:effectLst/>
-                <a:latin typeface="Menlo" charset="0"/>
-              </a:rPr>
-              <a:t>xs</a:t>
-            </a:r>
-            <a:r>
-              <a:rPr lang="en-US" b="1" dirty="0" smtClean="0">
-                <a:effectLst/>
-                <a:latin typeface="Menlo" charset="0"/>
-              </a:rPr>
-              <a:t>, </a:t>
-            </a:r>
-            <a:r>
-              <a:rPr lang="en-US" b="1" dirty="0" err="1" smtClean="0">
-                <a:effectLst/>
-                <a:latin typeface="Menlo" charset="0"/>
-              </a:rPr>
-              <a:t>yp</a:t>
-            </a:r>
-            <a:r>
-              <a:rPr lang="en-US" b="1" dirty="0" smtClean="0">
-                <a:effectLst/>
-                <a:latin typeface="Menlo" charset="0"/>
-              </a:rPr>
-              <a:t>)</a:t>
             </a:r>
             <a:endParaRPr lang="en-US" b="1" dirty="0">
               <a:effectLst/>
               <a:latin typeface="Menlo" charset="0"/>
             </a:endParaRPr>
+          </a:p>
+          <a:p>
+            <a:br>
+              <a:rPr lang="en-US" b="1" dirty="0">
+                <a:effectLst/>
+                <a:latin typeface="Menlo" charset="0"/>
+              </a:rPr>
+            </a:br>
+            <a:r>
+              <a:rPr lang="en-US" b="1" dirty="0">
+                <a:effectLst/>
+                <a:latin typeface="Menlo" charset="0"/>
+              </a:rPr>
+              <a:t>    </a:t>
+            </a:r>
+            <a:r>
+              <a:rPr lang="en-US" b="1" dirty="0" err="1">
+                <a:effectLst/>
+                <a:latin typeface="Menlo" charset="0"/>
+              </a:rPr>
+              <a:t>yp</a:t>
+            </a:r>
+            <a:r>
+              <a:rPr lang="en-US" b="1" dirty="0">
+                <a:effectLst/>
+                <a:latin typeface="Menlo" charset="0"/>
+              </a:rPr>
+              <a:t> = </a:t>
+            </a:r>
+            <a:r>
+              <a:rPr lang="en-US" b="1" dirty="0" err="1">
+                <a:effectLst/>
+                <a:latin typeface="Menlo" charset="0"/>
+              </a:rPr>
+              <a:t>Y_pred.eval</a:t>
+            </a:r>
+            <a:r>
+              <a:rPr lang="en-US" b="1" dirty="0">
+                <a:effectLst/>
+                <a:latin typeface="Menlo" charset="0"/>
+              </a:rPr>
+              <a:t>(</a:t>
+            </a:r>
+            <a:r>
+              <a:rPr lang="en-US" b="1" dirty="0" err="1">
+                <a:effectLst/>
+                <a:latin typeface="Menlo" charset="0"/>
+              </a:rPr>
+              <a:t>feed_dict</a:t>
+            </a:r>
+            <a:r>
+              <a:rPr lang="en-US" b="1" dirty="0">
+                <a:effectLst/>
+                <a:latin typeface="Menlo" charset="0"/>
+              </a:rPr>
+              <a:t>={X: </a:t>
+            </a:r>
+            <a:r>
+              <a:rPr lang="en-US" b="1" dirty="0" err="1">
+                <a:effectLst/>
+                <a:latin typeface="Menlo" charset="0"/>
+              </a:rPr>
+              <a:t>xs</a:t>
+            </a:r>
+            <a:r>
+              <a:rPr lang="en-US" b="1" dirty="0">
+                <a:effectLst/>
+                <a:latin typeface="Menlo" charset="0"/>
+              </a:rPr>
+              <a:t>}, session=</a:t>
+            </a:r>
+            <a:r>
+              <a:rPr lang="en-US" b="1" dirty="0" err="1">
+                <a:effectLst/>
+                <a:latin typeface="Menlo" charset="0"/>
+              </a:rPr>
+              <a:t>sess</a:t>
+            </a:r>
+            <a:r>
+              <a:rPr lang="en-US" b="1" dirty="0">
+                <a:effectLst/>
+                <a:latin typeface="Menlo" charset="0"/>
+              </a:rPr>
+              <a:t>)</a:t>
+            </a:r>
+          </a:p>
+          <a:p>
+            <a:r>
+              <a:rPr lang="en-US" b="1" dirty="0">
+                <a:effectLst/>
+                <a:latin typeface="Menlo" charset="0"/>
+              </a:rPr>
+              <a:t>    </a:t>
+            </a:r>
+            <a:r>
+              <a:rPr lang="en-US" b="1" dirty="0" err="1">
+                <a:effectLst/>
+                <a:latin typeface="Menlo" charset="0"/>
+              </a:rPr>
+              <a:t>plt.plot</a:t>
+            </a:r>
+            <a:r>
+              <a:rPr lang="en-US" b="1" dirty="0">
+                <a:effectLst/>
+                <a:latin typeface="Menlo" charset="0"/>
+              </a:rPr>
+              <a:t>(</a:t>
+            </a:r>
+            <a:r>
+              <a:rPr lang="en-US" b="1" dirty="0" err="1">
+                <a:effectLst/>
+                <a:latin typeface="Menlo" charset="0"/>
+              </a:rPr>
+              <a:t>xs</a:t>
+            </a:r>
+            <a:r>
+              <a:rPr lang="en-US" b="1" dirty="0">
+                <a:effectLst/>
+                <a:latin typeface="Menlo" charset="0"/>
+              </a:rPr>
+              <a:t>, </a:t>
+            </a:r>
+            <a:r>
+              <a:rPr lang="en-US" b="1" dirty="0" err="1">
+                <a:effectLst/>
+                <a:latin typeface="Menlo" charset="0"/>
+              </a:rPr>
+              <a:t>yp</a:t>
+            </a:r>
+            <a:r>
+              <a:rPr lang="en-US" b="1" dirty="0">
+                <a:effectLst/>
+                <a:latin typeface="Menlo" charset="0"/>
+              </a:rPr>
+              <a:t>)</a:t>
+            </a:r>
           </a:p>
         </p:txBody>
       </p:sp>
@@ -4006,10 +3939,9 @@
           <a:lstStyle/>
           <a:p>
             <a:r>
-              <a:rPr lang="en-US" dirty="0" smtClean="0"/>
+              <a:rPr lang="en-US" dirty="0"/>
               <a:t>3. Linear Regression</a:t>
             </a:r>
-            <a:endParaRPr lang="en-US" dirty="0"/>
           </a:p>
         </p:txBody>
       </p:sp>
@@ -4035,14 +3967,14 @@
           <a:lstStyle/>
           <a:p>
             <a:r>
-              <a:rPr lang="en-US" sz="2000" b="1" dirty="0" err="1" smtClean="0">
+              <a:rPr lang="en-US" sz="2000" b="1" dirty="0" err="1">
                 <a:effectLst/>
                 <a:latin typeface="Menlo" charset="0"/>
               </a:rPr>
               <a:t>n_observations</a:t>
             </a:r>
             <a:r>
-              <a:rPr lang="en-US" sz="2000" b="1" dirty="0" smtClean="0">
+              <a:rPr lang="en-US" sz="2000" b="1" dirty="0">
                 <a:effectLst/>
                 <a:latin typeface="Menlo" charset="0"/>
               </a:rPr>
@@ -4051,42 +3983,42 @@
           </a:p>
           <a:p>
             <a:r>
-              <a:rPr lang="en-US" sz="2000" b="1" dirty="0" err="1" smtClean="0">
+              <a:rPr lang="en-US" sz="2000" b="1" dirty="0" err="1">
                 <a:effectLst/>
                 <a:latin typeface="Menlo" charset="0"/>
               </a:rPr>
               <a:t>xs</a:t>
             </a:r>
             <a:r>
-              <a:rPr lang="en-US" sz="2000" b="1" dirty="0" smtClean="0">
+              <a:rPr lang="en-US" sz="2000" b="1" dirty="0">
                 <a:effectLst/>
                 <a:latin typeface="Menlo" charset="0"/>
               </a:rPr>
               <a:t> = </a:t>
             </a:r>
             <a:r>
-              <a:rPr lang="en-US" sz="2000" b="1" dirty="0" err="1" smtClean="0">
+              <a:rPr lang="en-US" sz="2000" b="1" dirty="0" err="1">
                 <a:effectLst/>
                 <a:latin typeface="Menlo" charset="0"/>
               </a:rPr>
               <a:t>np.linspace</a:t>
             </a:r>
             <a:r>
-              <a:rPr lang="en-US" sz="2000" b="1" dirty="0" smtClean="0">
+              <a:rPr lang="en-US" sz="2000" b="1" dirty="0">
                 <a:effectLst/>
                 <a:latin typeface="Menlo" charset="0"/>
               </a:rPr>
               <a:t>(-3, 3, </a:t>
             </a:r>
             <a:r>
-              <a:rPr lang="en-US" sz="2000" b="1" dirty="0" err="1" smtClean="0">
+              <a:rPr lang="en-US" sz="2000" b="1" dirty="0" err="1">
                 <a:effectLst/>
                 <a:latin typeface="Menlo" charset="0"/>
               </a:rPr>
               <a:t>n_observations</a:t>
             </a:r>
             <a:r>
-              <a:rPr lang="en-US" sz="2000" b="1" dirty="0" smtClean="0">
+              <a:rPr lang="en-US" sz="2000" b="1" dirty="0">
                 <a:effectLst/>
                 <a:latin typeface="Menlo" charset="0"/>
               </a:rPr>
@@ -4095,79 +4027,75 @@
           </a:p>
           <a:p>
             <a:r>
-              <a:rPr lang="en-US" sz="2000" b="1" dirty="0" err="1" smtClean="0">
+              <a:rPr lang="en-US" sz="2000" b="1" dirty="0" err="1">
                 <a:effectLst/>
                 <a:latin typeface="Menlo" charset="0"/>
               </a:rPr>
               <a:t>ys</a:t>
             </a:r>
             <a:r>
-              <a:rPr lang="en-US" sz="2000" b="1" dirty="0" smtClean="0">
+              <a:rPr lang="en-US" sz="2000" b="1" dirty="0">
                 <a:effectLst/>
                 <a:latin typeface="Menlo" charset="0"/>
               </a:rPr>
               <a:t> = </a:t>
             </a:r>
             <a:r>
-              <a:rPr lang="en-US" sz="2000" b="1" dirty="0" err="1" smtClean="0">
+              <a:rPr lang="en-US" sz="2000" b="1" dirty="0" err="1">
                 <a:effectLst/>
                 <a:latin typeface="Menlo" charset="0"/>
               </a:rPr>
               <a:t>np.sin</a:t>
             </a:r>
             <a:r>
-              <a:rPr lang="en-US" sz="2000" b="1" dirty="0" smtClean="0">
+              <a:rPr lang="en-US" sz="2000" b="1" dirty="0">
                 <a:effectLst/>
                 <a:latin typeface="Menlo" charset="0"/>
               </a:rPr>
               <a:t>(</a:t>
             </a:r>
             <a:r>
-              <a:rPr lang="en-US" sz="2000" b="1" dirty="0" err="1" smtClean="0">
+              <a:rPr lang="en-US" sz="2000" b="1" dirty="0" err="1">
                 <a:effectLst/>
                 <a:latin typeface="Menlo" charset="0"/>
               </a:rPr>
               <a:t>xs</a:t>
             </a:r>
             <a:r>
-              <a:rPr lang="en-US" sz="2000" b="1" dirty="0" smtClean="0">
+              <a:rPr lang="en-US" sz="2000" b="1" dirty="0">
                 <a:effectLst/>
                 <a:latin typeface="Menlo" charset="0"/>
               </a:rPr>
               <a:t>) + </a:t>
             </a:r>
             <a:r>
-              <a:rPr lang="en-US" sz="2000" b="1" dirty="0" err="1" smtClean="0">
+              <a:rPr lang="en-US" sz="2000" b="1" dirty="0" err="1">
                 <a:effectLst/>
                 <a:latin typeface="Menlo" charset="0"/>
               </a:rPr>
               <a:t>np.random.uniform</a:t>
             </a:r>
             <a:r>
-              <a:rPr lang="en-US" sz="2000" b="1" dirty="0" smtClean="0">
+              <a:rPr lang="en-US" sz="2000" b="1" dirty="0">
                 <a:effectLst/>
                 <a:latin typeface="Menlo" charset="0"/>
               </a:rPr>
               <a:t>(-0.5, 0.5, </a:t>
             </a:r>
             <a:r>
-              <a:rPr lang="en-US" sz="2000" b="1" dirty="0" err="1" smtClean="0">
+              <a:rPr lang="en-US" sz="2000" b="1" dirty="0" err="1">
                 <a:effectLst/>
                 <a:latin typeface="Menlo" charset="0"/>
               </a:rPr>
               <a:t>n_observations</a:t>
             </a:r>
             <a:r>
-              <a:rPr lang="en-US" sz="2000" b="1" dirty="0" smtClean="0">
+              <a:rPr lang="en-US" sz="2000" b="1" dirty="0">
                 <a:effectLst/>
                 <a:latin typeface="Menlo" charset="0"/>
               </a:rPr>
               <a:t>)</a:t>
             </a:r>
-            <a:endParaRPr lang="en-US" sz="2000" b="1" dirty="0">
-              <a:effectLst/>
-              <a:latin typeface="Menlo" charset="0"/>
-            </a:endParaRPr>
           </a:p>
         </p:txBody>
       </p:sp>
@@ -4270,13 +4198,8 @@
             </a:r>
             <a:r>
               <a:rPr lang="en-US" dirty="0"/>
-              <a:t>(X, W), b</a:t>
-            </a:r>
-            <a:r>
-              <a:rPr lang="en-US" dirty="0" smtClean="0"/>
-              <a:t>)</a:t>
-            </a:r>
-            <a:endParaRPr lang="en-US" dirty="0"/>
+              <a:t>(X, W), b)</a:t>
+            </a:r>
           </a:p>
         </p:txBody>
       </p:sp>
@@ -4403,13 +4326,8 @@
             </a:r>
             <a:r>
               <a:rPr lang="en-US" sz="2400" dirty="0"/>
-              <a:t>(X, W2)), b</a:t>
-            </a:r>
-            <a:r>
-              <a:rPr lang="en-US" sz="2400" dirty="0" smtClean="0"/>
-              <a:t>)</a:t>
-            </a:r>
-            <a:endParaRPr lang="en-US" sz="2400" dirty="0"/>
+              <a:t>(X, W2)), b)</a:t>
+            </a:r>
           </a:p>
         </p:txBody>
       </p:sp>
@@ -4491,7 +4409,7 @@
           <a:lstStyle/>
           <a:p>
             <a:r>
-              <a:rPr lang="en-US" sz="2400" dirty="0" err="1" smtClean="0"/>
+              <a:rPr lang="en-US" sz="2400" dirty="0" err="1"/>
               <a:t>Y_pred</a:t>
             </a:r>
             <a:r>
@@ -4536,13 +4454,8 @@
             </a:r>
             <a:r>
               <a:rPr lang="en-US" sz="2400" dirty="0"/>
-              <a:t>(X, W2)), b</a:t>
-            </a:r>
-            <a:r>
-              <a:rPr lang="en-US" sz="2400" dirty="0" smtClean="0"/>
-              <a:t>)</a:t>
-            </a:r>
-            <a:endParaRPr lang="en-US" sz="2400" dirty="0"/>
+              <a:t>(X, W2)), b)</a:t>
+            </a:r>
           </a:p>
         </p:txBody>
       </p:sp>
@@ -4622,10 +4535,9 @@
           <a:lstStyle/>
           <a:p>
             <a:r>
-              <a:rPr lang="en-US" dirty="0" smtClean="0"/>
+              <a:rPr lang="en-US" dirty="0"/>
               <a:t>1.TensorFlow</a:t>
             </a:r>
-            <a:endParaRPr lang="en-US" dirty="0"/>
           </a:p>
         </p:txBody>
       </p:sp>
@@ -4672,26 +4584,14 @@
           </a:p>
           <a:p>
             <a:r>
-              <a:rPr lang="en-US" dirty="0" smtClean="0"/>
-              <a:t>https</a:t>
-            </a:r>
-            <a:r>
               <a:rPr lang="en-US" dirty="0"/>
-              <a:t>://</a:t>
-            </a:r>
-            <a:r>
-              <a:rPr lang="en-US" dirty="0" smtClean="0"/>
-              <a:t>github.com/tensorflow/models</a:t>
+              <a:t>https://github.com/tensorflow/models</a:t>
             </a:r>
           </a:p>
           <a:p>
             <a:r>
               <a:rPr lang="en-US" dirty="0"/>
-              <a:t>https://</a:t>
-            </a:r>
-            <a:r>
-              <a:rPr lang="en-US" dirty="0" smtClean="0"/>
-              <a:t>github.com/aymericdamien/TensorFlow-Examples</a:t>
+              <a:t>https://github.com/aymericdamien/TensorFlow-Examples</a:t>
             </a:r>
           </a:p>
           <a:p>
@@ -4775,10 +4675,9 @@
           <a:lstStyle/>
           <a:p>
             <a:r>
-              <a:rPr lang="en-US" dirty="0" smtClean="0"/>
+              <a:rPr lang="en-US" dirty="0"/>
               <a:t>1.TensorFlow</a:t>
             </a:r>
-            <a:endParaRPr lang="en-US" dirty="0"/>
           </a:p>
         </p:txBody>
       </p:sp>
@@ -4803,19 +4702,19 @@
           <a:lstStyle/>
           <a:p>
             <a:r>
-              <a:rPr lang="en-US" dirty="0" smtClean="0"/>
+              <a:rPr lang="en-US" dirty="0"/>
               <a:t>https://</a:t>
             </a:r>
             <a:r>
-              <a:rPr lang="en-US" dirty="0" err="1" smtClean="0"/>
+              <a:rPr lang="en-US" dirty="0" err="1"/>
               <a:t>github.com</a:t>
             </a:r>
             <a:r>
-              <a:rPr lang="en-US" dirty="0" smtClean="0"/>
+              <a:rPr lang="en-US" dirty="0"/>
               <a:t>/wangqiuli1012/</a:t>
             </a:r>
             <a:r>
-              <a:rPr lang="en-US" dirty="0" err="1" smtClean="0"/>
+              <a:rPr lang="en-US" dirty="0" err="1"/>
               <a:t>MachineLearning</a:t>
             </a:r>
             <a:endParaRPr lang="en-US" dirty="0"/>
@@ -4862,13 +4761,6 @@
   <p:clrMapOvr>
     <a:masterClrMapping/>
   </p:clrMapOvr>
-  <p:timing>
-    <p:tnLst>
-      <p:par>
-        <p:cTn id="1" dur="indefinite" restart="never" nodeType="tmRoot"/>
-      </p:par>
-    </p:tnLst>
-  </p:timing>
 </p:sld>
 </file>
 
@@ -4905,7 +4797,7 @@
           <a:lstStyle/>
           <a:p>
             <a:r>
-              <a:rPr lang="en-US" altLang="zh-CN" dirty="0" smtClean="0"/>
+              <a:rPr lang="en-US" altLang="zh-CN" dirty="0"/>
               <a:t>2.Basic Operations</a:t>
             </a:r>
             <a:endParaRPr lang="en-US" dirty="0"/>
@@ -4934,143 +4826,125 @@
           <a:lstStyle/>
           <a:p>
             <a:r>
-              <a:rPr lang="en-US" sz="2800" b="1" dirty="0" smtClean="0">
+              <a:rPr lang="en-US" sz="2800" b="1" dirty="0">
                 <a:effectLst/>
                 <a:latin typeface="Menlo" charset="0"/>
               </a:rPr>
               <a:t>import </a:t>
             </a:r>
             <a:r>
-              <a:rPr lang="en-US" sz="2800" b="1" dirty="0" err="1" smtClean="0">
+              <a:rPr lang="en-US" sz="2800" b="1" dirty="0" err="1">
                 <a:effectLst/>
                 <a:latin typeface="Menlo" charset="0"/>
               </a:rPr>
               <a:t>tensorflow</a:t>
             </a:r>
             <a:r>
-              <a:rPr lang="en-US" sz="2800" b="1" dirty="0" smtClean="0">
+              <a:rPr lang="en-US" sz="2800" b="1" dirty="0">
                 <a:effectLst/>
                 <a:latin typeface="Menlo" charset="0"/>
               </a:rPr>
               <a:t> as </a:t>
             </a:r>
             <a:r>
-              <a:rPr lang="en-US" sz="2800" b="1" dirty="0" err="1" smtClean="0">
+              <a:rPr lang="en-US" sz="2800" b="1" dirty="0" err="1">
                 <a:effectLst/>
                 <a:latin typeface="Menlo" charset="0"/>
               </a:rPr>
               <a:t>tf</a:t>
-            </a:r>
-            <a:endParaRPr lang="en-US" sz="2800" b="1" dirty="0" smtClean="0">
-              <a:effectLst/>
-              <a:latin typeface="Menlo" charset="0"/>
-            </a:endParaRPr>
-          </a:p>
-          <a:p>
-            <a:r>
-              <a:rPr lang="en-US" sz="2800" b="1" dirty="0" smtClean="0">
-                <a:effectLst/>
-                <a:latin typeface="Menlo" charset="0"/>
-              </a:rPr>
-              <a:t/>
-            </a:r>
-            <a:br>
-              <a:rPr lang="en-US" sz="2800" b="1" dirty="0" smtClean="0">
-                <a:effectLst/>
-                <a:latin typeface="Menlo" charset="0"/>
-              </a:rPr>
-            </a:br>
-            <a:r>
-              <a:rPr lang="en-US" sz="2800" b="1" dirty="0" smtClean="0">
-                <a:effectLst/>
-                <a:latin typeface="Menlo" charset="0"/>
-              </a:rPr>
-              <a:t>hello = </a:t>
-            </a:r>
-            <a:r>
-              <a:rPr lang="en-US" sz="2800" b="1" dirty="0" err="1" smtClean="0">
-                <a:effectLst/>
-                <a:latin typeface="Menlo" charset="0"/>
-              </a:rPr>
-              <a:t>tf.constant</a:t>
-            </a:r>
-            <a:r>
-              <a:rPr lang="en-US" sz="2800" b="1" dirty="0" smtClean="0">
-                <a:effectLst/>
-                <a:latin typeface="Menlo" charset="0"/>
-              </a:rPr>
-              <a:t>('hello world!')</a:t>
-            </a:r>
-          </a:p>
-          <a:p>
-            <a:r>
-              <a:rPr lang="en-US" sz="2800" b="1" dirty="0" smtClean="0">
-                <a:effectLst/>
-                <a:latin typeface="Menlo" charset="0"/>
-              </a:rPr>
-              <a:t/>
-            </a:r>
-            <a:br>
-              <a:rPr lang="en-US" sz="2800" b="1" dirty="0" smtClean="0">
-                <a:effectLst/>
-                <a:latin typeface="Menlo" charset="0"/>
-              </a:rPr>
-            </a:br>
-            <a:r>
-              <a:rPr lang="en-US" sz="2800" b="1" dirty="0" err="1" smtClean="0">
-                <a:effectLst/>
-                <a:latin typeface="Menlo" charset="0"/>
-              </a:rPr>
-              <a:t>sess</a:t>
-            </a:r>
-            <a:r>
-              <a:rPr lang="en-US" sz="2800" b="1" dirty="0" smtClean="0">
-                <a:effectLst/>
-                <a:latin typeface="Menlo" charset="0"/>
-              </a:rPr>
-              <a:t> = </a:t>
-            </a:r>
-            <a:r>
-              <a:rPr lang="en-US" sz="2800" b="1" dirty="0" err="1" smtClean="0">
-                <a:effectLst/>
-                <a:latin typeface="Menlo" charset="0"/>
-              </a:rPr>
-              <a:t>tf.Session</a:t>
-            </a:r>
-            <a:r>
-              <a:rPr lang="en-US" sz="2800" b="1" dirty="0" smtClean="0">
-                <a:effectLst/>
-                <a:latin typeface="Menlo" charset="0"/>
-              </a:rPr>
-              <a:t>()</a:t>
-            </a:r>
-          </a:p>
-          <a:p>
-            <a:r>
-              <a:rPr lang="en-US" sz="2800" b="1" dirty="0" smtClean="0">
-                <a:effectLst/>
-                <a:latin typeface="Menlo" charset="0"/>
-              </a:rPr>
-              <a:t>print(</a:t>
-            </a:r>
-            <a:r>
-              <a:rPr lang="en-US" sz="2800" b="1" dirty="0" err="1" smtClean="0">
-                <a:effectLst/>
-                <a:latin typeface="Menlo" charset="0"/>
-              </a:rPr>
-              <a:t>sess.run</a:t>
-            </a:r>
-            <a:r>
-              <a:rPr lang="en-US" sz="2800" b="1" dirty="0" smtClean="0">
-                <a:effectLst/>
-                <a:latin typeface="Menlo" charset="0"/>
-              </a:rPr>
-              <a:t>(hello))</a:t>
             </a:r>
             <a:endParaRPr lang="en-US" sz="2800" b="1" dirty="0">
               <a:effectLst/>
               <a:latin typeface="Menlo" charset="0"/>
             </a:endParaRPr>
+          </a:p>
+          <a:p>
+            <a:br>
+              <a:rPr lang="en-US" sz="2800" b="1" dirty="0">
+                <a:effectLst/>
+                <a:latin typeface="Menlo" charset="0"/>
+              </a:rPr>
+            </a:br>
+            <a:r>
+              <a:rPr lang="en-US" sz="2800" b="1" dirty="0">
+                <a:effectLst/>
+                <a:latin typeface="Menlo" charset="0"/>
+              </a:rPr>
+              <a:t>hello = </a:t>
+            </a:r>
+            <a:r>
+              <a:rPr lang="en-US" sz="2800" b="1" dirty="0" err="1">
+                <a:effectLst/>
+                <a:latin typeface="Menlo" charset="0"/>
+              </a:rPr>
+              <a:t>tf.constant</a:t>
+            </a:r>
+            <a:r>
+              <a:rPr lang="en-US" sz="2800" b="1" dirty="0">
+                <a:effectLst/>
+                <a:latin typeface="Menlo" charset="0"/>
+              </a:rPr>
+              <a:t>('hello world!')</a:t>
+            </a:r>
+          </a:p>
+          <a:p>
+            <a:br>
+              <a:rPr lang="en-US" sz="2800" b="1" dirty="0">
+                <a:effectLst/>
+                <a:latin typeface="Menlo" charset="0"/>
+              </a:rPr>
+            </a:br>
+            <a:r>
+              <a:rPr lang="en-US" sz="2800" b="1" dirty="0" err="1">
+                <a:effectLst/>
+                <a:latin typeface="Menlo" charset="0"/>
+              </a:rPr>
+              <a:t>sess</a:t>
+            </a:r>
+            <a:r>
+              <a:rPr lang="en-US" sz="2800" b="1" dirty="0">
+                <a:effectLst/>
+                <a:latin typeface="Menlo" charset="0"/>
+              </a:rPr>
+              <a:t> = </a:t>
+            </a:r>
+            <a:r>
+              <a:rPr lang="en-US" sz="2800" b="1" dirty="0" err="1">
+                <a:effectLst/>
+                <a:latin typeface="Menlo" charset="0"/>
+              </a:rPr>
+              <a:t>tf.Session</a:t>
+            </a:r>
+            <a:r>
+              <a:rPr lang="en-US" sz="2800" b="1" dirty="0">
+                <a:effectLst/>
+                <a:latin typeface="Menlo" charset="0"/>
+              </a:rPr>
+              <a:t>()</a:t>
+            </a:r>
+          </a:p>
+          <a:p>
+            <a:r>
+              <a:rPr lang="en-US" sz="2800" b="1" dirty="0">
+                <a:effectLst/>
+                <a:latin typeface="Menlo" charset="0"/>
+              </a:rPr>
+              <a:t>print(</a:t>
+            </a:r>
+            <a:r>
+              <a:rPr lang="en-US" sz="2800" b="1" dirty="0" err="1">
+                <a:effectLst/>
+                <a:latin typeface="Menlo" charset="0"/>
+              </a:rPr>
+              <a:t>sess.run</a:t>
+            </a:r>
+            <a:r>
+              <a:rPr lang="en-US" sz="2800" b="1" dirty="0">
+                <a:effectLst/>
+                <a:latin typeface="Menlo" charset="0"/>
+              </a:rPr>
+              <a:t>(hello))</a:t>
+            </a:r>
           </a:p>
         </p:txBody>
       </p:sp>
@@ -5084,13 +4958,6 @@
   <p:clrMapOvr>
     <a:masterClrMapping/>
   </p:clrMapOvr>
-  <p:timing>
-    <p:tnLst>
-      <p:par>
-        <p:cTn id="1" dur="indefinite" restart="never" nodeType="tmRoot"/>
-      </p:par>
-    </p:tnLst>
-  </p:timing>
 </p:sld>
 </file>
 
@@ -5150,13 +5017,6 @@
   <p:clrMapOvr>
     <a:masterClrMapping/>
   </p:clrMapOvr>
-  <p:timing>
-    <p:tnLst>
-      <p:par>
-        <p:cTn id="1" dur="indefinite" restart="never" nodeType="tmRoot"/>
-      </p:par>
-    </p:tnLst>
-  </p:timing>
 </p:sld>
 </file>
 
@@ -5193,7 +5053,7 @@
           <a:lstStyle/>
           <a:p>
             <a:r>
-              <a:rPr lang="en-US" altLang="zh-CN" dirty="0" smtClean="0"/>
+              <a:rPr lang="en-US" altLang="zh-CN" dirty="0"/>
               <a:t>2.Basic Operations</a:t>
             </a:r>
             <a:endParaRPr lang="en-US" dirty="0"/>
@@ -5222,183 +5082,172 @@
           <a:lstStyle/>
           <a:p>
             <a:r>
-              <a:rPr lang="en-US" sz="2800" b="1" dirty="0" smtClean="0">
+              <a:rPr lang="en-US" sz="2800" b="1" dirty="0">
                 <a:effectLst/>
                 <a:latin typeface="Menlo" charset="0"/>
               </a:rPr>
               <a:t>import </a:t>
             </a:r>
             <a:r>
-              <a:rPr lang="en-US" sz="2800" b="1" dirty="0" err="1" smtClean="0">
+              <a:rPr lang="en-US" sz="2800" b="1" dirty="0" err="1">
                 <a:effectLst/>
                 <a:latin typeface="Menlo" charset="0"/>
               </a:rPr>
               <a:t>tensorflow</a:t>
             </a:r>
             <a:r>
-              <a:rPr lang="en-US" sz="2800" b="1" dirty="0" smtClean="0">
+              <a:rPr lang="en-US" sz="2800" b="1" dirty="0">
                 <a:effectLst/>
                 <a:latin typeface="Menlo" charset="0"/>
               </a:rPr>
               <a:t> as </a:t>
             </a:r>
             <a:r>
-              <a:rPr lang="en-US" sz="2800" b="1" dirty="0" err="1" smtClean="0">
+              <a:rPr lang="en-US" sz="2800" b="1" dirty="0" err="1">
                 <a:effectLst/>
                 <a:latin typeface="Menlo" charset="0"/>
               </a:rPr>
               <a:t>tf</a:t>
-            </a:r>
-            <a:endParaRPr lang="en-US" sz="2800" b="1" dirty="0" smtClean="0">
-              <a:effectLst/>
-              <a:latin typeface="Menlo" charset="0"/>
-            </a:endParaRPr>
-          </a:p>
-          <a:p>
-            <a:r>
-              <a:rPr lang="en-US" sz="2800" b="1" dirty="0" smtClean="0">
-                <a:effectLst/>
-                <a:latin typeface="Menlo" charset="0"/>
-              </a:rPr>
-              <a:t/>
-            </a:r>
-            <a:br>
-              <a:rPr lang="en-US" sz="2800" b="1" dirty="0" smtClean="0">
-                <a:effectLst/>
-                <a:latin typeface="Menlo" charset="0"/>
-              </a:rPr>
-            </a:br>
-            <a:r>
-              <a:rPr lang="en-US" sz="2800" b="1" dirty="0" smtClean="0">
-                <a:effectLst/>
-                <a:latin typeface="Menlo" charset="0"/>
-              </a:rPr>
-              <a:t>a = </a:t>
-            </a:r>
-            <a:r>
-              <a:rPr lang="en-US" sz="2800" b="1" dirty="0" err="1" smtClean="0">
-                <a:effectLst/>
-                <a:latin typeface="Menlo" charset="0"/>
-              </a:rPr>
-              <a:t>tf.constant</a:t>
-            </a:r>
-            <a:r>
-              <a:rPr lang="en-US" sz="2800" b="1" dirty="0" smtClean="0">
-                <a:effectLst/>
-                <a:latin typeface="Menlo" charset="0"/>
-              </a:rPr>
-              <a:t>(2)</a:t>
-            </a:r>
-          </a:p>
-          <a:p>
-            <a:r>
-              <a:rPr lang="en-US" sz="2800" b="1" dirty="0" smtClean="0">
-                <a:effectLst/>
-                <a:latin typeface="Menlo" charset="0"/>
-              </a:rPr>
-              <a:t>b = </a:t>
-            </a:r>
-            <a:r>
-              <a:rPr lang="en-US" sz="2800" b="1" dirty="0" err="1" smtClean="0">
-                <a:effectLst/>
-                <a:latin typeface="Menlo" charset="0"/>
-              </a:rPr>
-              <a:t>tf.constant</a:t>
-            </a:r>
-            <a:r>
-              <a:rPr lang="en-US" sz="2800" b="1" dirty="0" smtClean="0">
-                <a:effectLst/>
-                <a:latin typeface="Menlo" charset="0"/>
-              </a:rPr>
-              <a:t>(3)</a:t>
-            </a:r>
-          </a:p>
-          <a:p>
-            <a:r>
-              <a:rPr lang="en-US" sz="2800" b="1" dirty="0" smtClean="0">
-                <a:effectLst/>
-                <a:latin typeface="Menlo" charset="0"/>
-              </a:rPr>
-              <a:t>with </a:t>
-            </a:r>
-            <a:r>
-              <a:rPr lang="en-US" sz="2800" b="1" dirty="0" err="1" smtClean="0">
-                <a:effectLst/>
-                <a:latin typeface="Menlo" charset="0"/>
-              </a:rPr>
-              <a:t>tf.Session</a:t>
-            </a:r>
-            <a:r>
-              <a:rPr lang="en-US" sz="2800" b="1" dirty="0" smtClean="0">
-                <a:effectLst/>
-                <a:latin typeface="Menlo" charset="0"/>
-              </a:rPr>
-              <a:t>() as </a:t>
-            </a:r>
-            <a:r>
-              <a:rPr lang="en-US" sz="2800" b="1" dirty="0" err="1" smtClean="0">
-                <a:effectLst/>
-                <a:latin typeface="Menlo" charset="0"/>
-              </a:rPr>
-              <a:t>sess</a:t>
-            </a:r>
-            <a:r>
-              <a:rPr lang="en-US" sz="2800" b="1" dirty="0" smtClean="0">
-                <a:effectLst/>
-                <a:latin typeface="Menlo" charset="0"/>
-              </a:rPr>
-              <a:t>:</a:t>
-            </a:r>
-          </a:p>
-          <a:p>
-            <a:r>
-              <a:rPr lang="en-US" sz="2800" b="1" dirty="0" smtClean="0">
-                <a:effectLst/>
-                <a:latin typeface="Menlo" charset="0"/>
-              </a:rPr>
-              <a:t>    print 'a + b = ', </a:t>
-            </a:r>
-            <a:r>
-              <a:rPr lang="en-US" sz="2800" b="1" dirty="0" err="1" smtClean="0">
-                <a:effectLst/>
-                <a:latin typeface="Menlo" charset="0"/>
-              </a:rPr>
-              <a:t>sess.run</a:t>
-            </a:r>
-            <a:r>
-              <a:rPr lang="en-US" sz="2800" b="1" dirty="0" smtClean="0">
-                <a:effectLst/>
-                <a:latin typeface="Menlo" charset="0"/>
-              </a:rPr>
-              <a:t>(a + b)</a:t>
-            </a:r>
-          </a:p>
-          <a:p>
-            <a:r>
-              <a:rPr lang="en-US" sz="2800" b="1" dirty="0" smtClean="0">
-                <a:effectLst/>
-                <a:latin typeface="Menlo" charset="0"/>
-              </a:rPr>
-              <a:t>    print 'a * b = ', </a:t>
-            </a:r>
-            <a:r>
-              <a:rPr lang="en-US" sz="2800" b="1" dirty="0" err="1" smtClean="0">
-                <a:effectLst/>
-                <a:latin typeface="Menlo" charset="0"/>
-              </a:rPr>
-              <a:t>sess.run</a:t>
-            </a:r>
-            <a:r>
-              <a:rPr lang="en-US" sz="2800" b="1" dirty="0" smtClean="0">
-                <a:effectLst/>
-                <a:latin typeface="Menlo" charset="0"/>
-              </a:rPr>
-              <a:t>(a * b) </a:t>
             </a:r>
             <a:endParaRPr lang="en-US" sz="2800" b="1" dirty="0">
               <a:effectLst/>
               <a:latin typeface="Menlo" charset="0"/>
             </a:endParaRPr>
+          </a:p>
+          <a:p>
+            <a:br>
+              <a:rPr lang="en-US" sz="2800" b="1" dirty="0">
+                <a:effectLst/>
+                <a:latin typeface="Menlo" charset="0"/>
+              </a:rPr>
+            </a:br>
+            <a:r>
+              <a:rPr lang="en-US" sz="2800" b="1" dirty="0">
+                <a:effectLst/>
+                <a:latin typeface="Menlo" charset="0"/>
+              </a:rPr>
+              <a:t>a = </a:t>
+            </a:r>
+            <a:r>
+              <a:rPr lang="en-US" sz="2800" b="1" dirty="0" err="1">
+                <a:effectLst/>
+                <a:latin typeface="Menlo" charset="0"/>
+              </a:rPr>
+              <a:t>tf.constant</a:t>
+            </a:r>
+            <a:r>
+              <a:rPr lang="en-US" sz="2800" b="1" dirty="0">
+                <a:effectLst/>
+                <a:latin typeface="Menlo" charset="0"/>
+              </a:rPr>
+              <a:t>(2)</a:t>
+            </a:r>
+          </a:p>
+          <a:p>
+            <a:r>
+              <a:rPr lang="en-US" sz="2800" b="1" dirty="0">
+                <a:effectLst/>
+                <a:latin typeface="Menlo" charset="0"/>
+              </a:rPr>
+              <a:t>b = </a:t>
+            </a:r>
+            <a:r>
+              <a:rPr lang="en-US" sz="2800" b="1" dirty="0" err="1">
+                <a:effectLst/>
+                <a:latin typeface="Menlo" charset="0"/>
+              </a:rPr>
+              <a:t>tf.constant</a:t>
+            </a:r>
+            <a:r>
+              <a:rPr lang="en-US" sz="2800" b="1" dirty="0">
+                <a:effectLst/>
+                <a:latin typeface="Menlo" charset="0"/>
+              </a:rPr>
+              <a:t>(3)</a:t>
+            </a:r>
+          </a:p>
+          <a:p>
+            <a:r>
+              <a:rPr lang="en-US" sz="2800" b="1" dirty="0">
+                <a:effectLst/>
+                <a:latin typeface="Menlo" charset="0"/>
+              </a:rPr>
+              <a:t>with </a:t>
+            </a:r>
+            <a:r>
+              <a:rPr lang="en-US" sz="2800" b="1" dirty="0" err="1">
+                <a:effectLst/>
+                <a:latin typeface="Menlo" charset="0"/>
+              </a:rPr>
+              <a:t>tf.Session</a:t>
+            </a:r>
+            <a:r>
+              <a:rPr lang="en-US" sz="2800" b="1" dirty="0">
+                <a:effectLst/>
+                <a:latin typeface="Menlo" charset="0"/>
+              </a:rPr>
+              <a:t>() as </a:t>
+            </a:r>
+            <a:r>
+              <a:rPr lang="en-US" sz="2800" b="1" dirty="0" err="1">
+                <a:effectLst/>
+                <a:latin typeface="Menlo" charset="0"/>
+              </a:rPr>
+              <a:t>sess</a:t>
+            </a:r>
+            <a:r>
+              <a:rPr lang="en-US" sz="2800" b="1" dirty="0">
+                <a:effectLst/>
+                <a:latin typeface="Menlo" charset="0"/>
+              </a:rPr>
+              <a:t>:</a:t>
+            </a:r>
+          </a:p>
+          <a:p>
+            <a:r>
+              <a:rPr lang="en-US" sz="2800" b="1" dirty="0">
+                <a:effectLst/>
+                <a:latin typeface="Menlo" charset="0"/>
+              </a:rPr>
+              <a:t>    print 'a + b = ', </a:t>
+            </a:r>
+            <a:r>
+              <a:rPr lang="en-US" sz="2800" b="1" dirty="0" err="1">
+                <a:effectLst/>
+                <a:latin typeface="Menlo" charset="0"/>
+              </a:rPr>
+              <a:t>sess.run</a:t>
+            </a:r>
+            <a:r>
+              <a:rPr lang="en-US" sz="2800" b="1" dirty="0">
+                <a:effectLst/>
+                <a:latin typeface="Menlo" charset="0"/>
+              </a:rPr>
+              <a:t>(a + b)</a:t>
+            </a:r>
+          </a:p>
+          <a:p>
+            <a:r>
+              <a:rPr lang="en-US" sz="2800" b="1" dirty="0">
+                <a:effectLst/>
+                <a:latin typeface="Menlo" charset="0"/>
+              </a:rPr>
+              <a:t>    print 'a * b = ', </a:t>
+            </a:r>
+            <a:r>
+              <a:rPr lang="en-US" sz="2800" b="1" dirty="0" err="1">
+                <a:effectLst/>
+                <a:latin typeface="Menlo" charset="0"/>
+              </a:rPr>
+              <a:t>sess.run</a:t>
+            </a:r>
+            <a:r>
+              <a:rPr lang="en-US" sz="2800" b="1" dirty="0">
+                <a:effectLst/>
+                <a:latin typeface="Menlo" charset="0"/>
+              </a:rPr>
+              <a:t>(a * b) </a:t>
+            </a:r>
           </a:p>
         </p:txBody>
       </p:sp>
@@ -5442,13 +5291,6 @@
   <p:clrMapOvr>
     <a:masterClrMapping/>
   </p:clrMapOvr>
-  <p:timing>
-    <p:tnLst>
-      <p:par>
-        <p:cTn id="1" dur="indefinite" restart="never" nodeType="tmRoot"/>
-      </p:par>
-    </p:tnLst>
-  </p:timing>
 </p:sld>
 </file>
 
@@ -5485,7 +5327,7 @@
           <a:lstStyle/>
           <a:p>
             <a:r>
-              <a:rPr lang="en-US" altLang="zh-CN" dirty="0" smtClean="0"/>
+              <a:rPr lang="en-US" altLang="zh-CN" dirty="0"/>
               <a:t>2.Basic Operations</a:t>
             </a:r>
             <a:endParaRPr lang="en-US" dirty="0"/>
@@ -5514,309 +5356,291 @@
           <a:lstStyle/>
           <a:p>
             <a:r>
-              <a:rPr lang="en-US" sz="2000" b="1" dirty="0" smtClean="0">
+              <a:rPr lang="en-US" sz="2000" b="1" dirty="0">
                 <a:effectLst/>
                 <a:latin typeface="Menlo" charset="0"/>
               </a:rPr>
               <a:t>import </a:t>
             </a:r>
             <a:r>
-              <a:rPr lang="en-US" sz="2000" b="1" dirty="0" err="1" smtClean="0">
+              <a:rPr lang="en-US" sz="2000" b="1" dirty="0" err="1">
                 <a:effectLst/>
                 <a:latin typeface="Menlo" charset="0"/>
               </a:rPr>
               <a:t>tensorflow</a:t>
             </a:r>
             <a:r>
-              <a:rPr lang="en-US" sz="2000" b="1" dirty="0" smtClean="0">
+              <a:rPr lang="en-US" sz="2000" b="1" dirty="0">
                 <a:effectLst/>
                 <a:latin typeface="Menlo" charset="0"/>
               </a:rPr>
               <a:t> as </a:t>
             </a:r>
             <a:r>
-              <a:rPr lang="en-US" sz="2000" b="1" dirty="0" err="1" smtClean="0">
+              <a:rPr lang="en-US" sz="2000" b="1" dirty="0" err="1">
                 <a:effectLst/>
                 <a:latin typeface="Menlo" charset="0"/>
               </a:rPr>
               <a:t>tf</a:t>
-            </a:r>
-            <a:endParaRPr lang="en-US" sz="2000" b="1" dirty="0" smtClean="0">
-              <a:effectLst/>
-              <a:latin typeface="Menlo" charset="0"/>
-            </a:endParaRPr>
-          </a:p>
-          <a:p>
-            <a:r>
-              <a:rPr lang="en-US" sz="2000" b="1" dirty="0" smtClean="0">
-                <a:effectLst/>
-                <a:latin typeface="Menlo" charset="0"/>
-              </a:rPr>
-              <a:t/>
-            </a:r>
-            <a:br>
-              <a:rPr lang="en-US" sz="2000" b="1" dirty="0" smtClean="0">
-                <a:effectLst/>
-                <a:latin typeface="Menlo" charset="0"/>
-              </a:rPr>
-            </a:br>
-            <a:r>
-              <a:rPr lang="en-US" sz="2000" b="1" dirty="0" smtClean="0">
-                <a:effectLst/>
-                <a:latin typeface="Menlo" charset="0"/>
-              </a:rPr>
-              <a:t># place holder</a:t>
-            </a:r>
-          </a:p>
-          <a:p>
-            <a:r>
-              <a:rPr lang="en-US" sz="2000" b="1" dirty="0" smtClean="0">
-                <a:effectLst/>
-                <a:latin typeface="Menlo" charset="0"/>
-              </a:rPr>
-              <a:t>a = </a:t>
-            </a:r>
-            <a:r>
-              <a:rPr lang="en-US" sz="2000" b="1" dirty="0" err="1" smtClean="0">
-                <a:effectLst/>
-                <a:latin typeface="Menlo" charset="0"/>
-              </a:rPr>
-              <a:t>tf.placeholder</a:t>
-            </a:r>
-            <a:r>
-              <a:rPr lang="en-US" sz="2000" b="1" dirty="0" smtClean="0">
-                <a:effectLst/>
-                <a:latin typeface="Menlo" charset="0"/>
-              </a:rPr>
-              <a:t>(tf.int16)</a:t>
-            </a:r>
-          </a:p>
-          <a:p>
-            <a:r>
-              <a:rPr lang="en-US" sz="2000" b="1" dirty="0" smtClean="0">
-                <a:effectLst/>
-                <a:latin typeface="Menlo" charset="0"/>
-              </a:rPr>
-              <a:t>b = </a:t>
-            </a:r>
-            <a:r>
-              <a:rPr lang="en-US" sz="2000" b="1" dirty="0" err="1" smtClean="0">
-                <a:effectLst/>
-                <a:latin typeface="Menlo" charset="0"/>
-              </a:rPr>
-              <a:t>tf.placeholder</a:t>
-            </a:r>
-            <a:r>
-              <a:rPr lang="en-US" sz="2000" b="1" dirty="0" smtClean="0">
-                <a:effectLst/>
-                <a:latin typeface="Menlo" charset="0"/>
-              </a:rPr>
-              <a:t>(tf.int16)</a:t>
-            </a:r>
-          </a:p>
-          <a:p>
-            <a:r>
-              <a:rPr lang="en-US" sz="2000" b="1" dirty="0" smtClean="0">
-                <a:effectLst/>
-                <a:latin typeface="Menlo" charset="0"/>
-              </a:rPr>
-              <a:t/>
-            </a:r>
-            <a:br>
-              <a:rPr lang="en-US" sz="2000" b="1" dirty="0" smtClean="0">
-                <a:effectLst/>
-                <a:latin typeface="Menlo" charset="0"/>
-              </a:rPr>
-            </a:br>
-            <a:r>
-              <a:rPr lang="en-US" sz="2000" b="1" dirty="0" smtClean="0">
-                <a:effectLst/>
-                <a:latin typeface="Menlo" charset="0"/>
-              </a:rPr>
-              <a:t># operations</a:t>
-            </a:r>
-          </a:p>
-          <a:p>
-            <a:r>
-              <a:rPr lang="en-US" sz="2000" b="1" dirty="0" smtClean="0">
-                <a:effectLst/>
-                <a:latin typeface="Menlo" charset="0"/>
-              </a:rPr>
-              <a:t>add = </a:t>
-            </a:r>
-            <a:r>
-              <a:rPr lang="en-US" sz="2000" b="1" dirty="0" err="1" smtClean="0">
-                <a:effectLst/>
-                <a:latin typeface="Menlo" charset="0"/>
-              </a:rPr>
-              <a:t>tf.add</a:t>
-            </a:r>
-            <a:r>
-              <a:rPr lang="en-US" sz="2000" b="1" dirty="0" smtClean="0">
-                <a:effectLst/>
-                <a:latin typeface="Menlo" charset="0"/>
-              </a:rPr>
-              <a:t>(a, b)</a:t>
-            </a:r>
-          </a:p>
-          <a:p>
-            <a:r>
-              <a:rPr lang="en-US" sz="2000" b="1" dirty="0" err="1" smtClean="0">
-                <a:effectLst/>
-                <a:latin typeface="Menlo" charset="0"/>
-              </a:rPr>
-              <a:t>mult</a:t>
-            </a:r>
-            <a:r>
-              <a:rPr lang="en-US" sz="2000" b="1" dirty="0" smtClean="0">
-                <a:effectLst/>
-                <a:latin typeface="Menlo" charset="0"/>
-              </a:rPr>
-              <a:t> = </a:t>
-            </a:r>
-            <a:r>
-              <a:rPr lang="en-US" sz="2000" b="1" dirty="0" err="1" smtClean="0">
-                <a:effectLst/>
-                <a:latin typeface="Menlo" charset="0"/>
-              </a:rPr>
-              <a:t>tf.multiply</a:t>
-            </a:r>
-            <a:r>
-              <a:rPr lang="en-US" sz="2000" b="1" dirty="0" smtClean="0">
-                <a:effectLst/>
-                <a:latin typeface="Menlo" charset="0"/>
-              </a:rPr>
-              <a:t>(a, b)</a:t>
-            </a:r>
-          </a:p>
-          <a:p>
-            <a:r>
-              <a:rPr lang="en-US" sz="2000" b="1" dirty="0" smtClean="0">
-                <a:effectLst/>
-                <a:latin typeface="Menlo" charset="0"/>
-              </a:rPr>
-              <a:t>with </a:t>
-            </a:r>
-            <a:r>
-              <a:rPr lang="en-US" sz="2000" b="1" dirty="0" err="1" smtClean="0">
-                <a:effectLst/>
-                <a:latin typeface="Menlo" charset="0"/>
-              </a:rPr>
-              <a:t>tf.Session</a:t>
-            </a:r>
-            <a:r>
-              <a:rPr lang="en-US" sz="2000" b="1" dirty="0" smtClean="0">
-                <a:effectLst/>
-                <a:latin typeface="Menlo" charset="0"/>
-              </a:rPr>
-              <a:t>() as </a:t>
-            </a:r>
-            <a:r>
-              <a:rPr lang="en-US" sz="2000" b="1" dirty="0" err="1" smtClean="0">
-                <a:effectLst/>
-                <a:latin typeface="Menlo" charset="0"/>
-              </a:rPr>
-              <a:t>sess</a:t>
-            </a:r>
-            <a:r>
-              <a:rPr lang="en-US" sz="2000" b="1" dirty="0" smtClean="0">
-                <a:effectLst/>
-                <a:latin typeface="Menlo" charset="0"/>
-              </a:rPr>
-              <a:t>:</a:t>
-            </a:r>
-          </a:p>
-          <a:p>
-            <a:r>
-              <a:rPr lang="en-US" sz="2000" b="1" dirty="0" smtClean="0">
-                <a:effectLst/>
-                <a:latin typeface="Menlo" charset="0"/>
-              </a:rPr>
-              <a:t>    print 'a + b = ', </a:t>
-            </a:r>
-            <a:r>
-              <a:rPr lang="en-US" sz="2000" b="1" dirty="0" err="1" smtClean="0">
-                <a:effectLst/>
-                <a:latin typeface="Menlo" charset="0"/>
-              </a:rPr>
-              <a:t>sess.run</a:t>
-            </a:r>
-            <a:r>
-              <a:rPr lang="en-US" sz="2000" b="1" dirty="0" smtClean="0">
-                <a:effectLst/>
-                <a:latin typeface="Menlo" charset="0"/>
-              </a:rPr>
-              <a:t>(add, </a:t>
-            </a:r>
-            <a:r>
-              <a:rPr lang="en-US" sz="2000" b="1" dirty="0" err="1" smtClean="0">
-                <a:effectLst/>
-                <a:latin typeface="Menlo" charset="0"/>
-              </a:rPr>
-              <a:t>feed_dict</a:t>
-            </a:r>
-            <a:r>
-              <a:rPr lang="en-US" sz="2000" b="1" dirty="0" smtClean="0">
-                <a:effectLst/>
-                <a:latin typeface="Menlo" charset="0"/>
-              </a:rPr>
-              <a:t> = {a: 2, b: 4})</a:t>
-            </a:r>
-          </a:p>
-          <a:p>
-            <a:r>
-              <a:rPr lang="en-US" sz="2000" b="1" dirty="0" smtClean="0">
-                <a:effectLst/>
-                <a:latin typeface="Menlo" charset="0"/>
-              </a:rPr>
-              <a:t>    print 'a * b = ', </a:t>
-            </a:r>
-            <a:r>
-              <a:rPr lang="en-US" sz="2000" b="1" dirty="0" err="1" smtClean="0">
-                <a:effectLst/>
-                <a:latin typeface="Menlo" charset="0"/>
-              </a:rPr>
-              <a:t>sess.run</a:t>
-            </a:r>
-            <a:r>
-              <a:rPr lang="en-US" sz="2000" b="1" dirty="0" smtClean="0">
-                <a:effectLst/>
-                <a:latin typeface="Menlo" charset="0"/>
-              </a:rPr>
-              <a:t>(</a:t>
-            </a:r>
-            <a:r>
-              <a:rPr lang="en-US" sz="2000" b="1" dirty="0" err="1" smtClean="0">
-                <a:effectLst/>
-                <a:latin typeface="Menlo" charset="0"/>
-              </a:rPr>
-              <a:t>mult</a:t>
-            </a:r>
-            <a:r>
-              <a:rPr lang="en-US" sz="2000" b="1" dirty="0" smtClean="0">
-                <a:effectLst/>
-                <a:latin typeface="Menlo" charset="0"/>
-              </a:rPr>
-              <a:t>, </a:t>
-            </a:r>
-            <a:r>
-              <a:rPr lang="en-US" sz="2000" b="1" dirty="0" err="1" smtClean="0">
-                <a:effectLst/>
-                <a:latin typeface="Menlo" charset="0"/>
-              </a:rPr>
-              <a:t>feed_dict</a:t>
-            </a:r>
-            <a:r>
-              <a:rPr lang="en-US" sz="2000" b="1" dirty="0" smtClean="0">
-                <a:effectLst/>
-                <a:latin typeface="Menlo" charset="0"/>
-              </a:rPr>
-              <a:t> = {a: 2, b: 4}) </a:t>
             </a:r>
             <a:endParaRPr lang="en-US" sz="2000" b="1" dirty="0">
               <a:effectLst/>
               <a:latin typeface="Menlo" charset="0"/>
             </a:endParaRPr>
+          </a:p>
+          <a:p>
+            <a:br>
+              <a:rPr lang="en-US" sz="2000" b="1" dirty="0">
+                <a:effectLst/>
+                <a:latin typeface="Menlo" charset="0"/>
+              </a:rPr>
+            </a:br>
+            <a:r>
+              <a:rPr lang="en-US" sz="2000" b="1" dirty="0">
+                <a:effectLst/>
+                <a:latin typeface="Menlo" charset="0"/>
+              </a:rPr>
+              <a:t># place holder</a:t>
+            </a:r>
+          </a:p>
+          <a:p>
+            <a:r>
+              <a:rPr lang="en-US" sz="2000" b="1" dirty="0">
+                <a:effectLst/>
+                <a:latin typeface="Menlo" charset="0"/>
+              </a:rPr>
+              <a:t>a = </a:t>
+            </a:r>
+            <a:r>
+              <a:rPr lang="en-US" sz="2000" b="1" dirty="0" err="1">
+                <a:effectLst/>
+                <a:latin typeface="Menlo" charset="0"/>
+              </a:rPr>
+              <a:t>tf.placeholder</a:t>
+            </a:r>
+            <a:r>
+              <a:rPr lang="en-US" sz="2000" b="1" dirty="0">
+                <a:effectLst/>
+                <a:latin typeface="Menlo" charset="0"/>
+              </a:rPr>
+              <a:t>(tf.int16)</a:t>
+            </a:r>
+          </a:p>
+          <a:p>
+            <a:r>
+              <a:rPr lang="en-US" sz="2000" b="1" dirty="0">
+                <a:effectLst/>
+                <a:latin typeface="Menlo" charset="0"/>
+              </a:rPr>
+              <a:t>b = </a:t>
+            </a:r>
+            <a:r>
+              <a:rPr lang="en-US" sz="2000" b="1" dirty="0" err="1">
+                <a:effectLst/>
+                <a:latin typeface="Menlo" charset="0"/>
+              </a:rPr>
+              <a:t>tf.placeholder</a:t>
+            </a:r>
+            <a:r>
+              <a:rPr lang="en-US" sz="2000" b="1" dirty="0">
+                <a:effectLst/>
+                <a:latin typeface="Menlo" charset="0"/>
+              </a:rPr>
+              <a:t>(tf.int16)</a:t>
+            </a:r>
+          </a:p>
+          <a:p>
+            <a:br>
+              <a:rPr lang="en-US" sz="2000" b="1" dirty="0">
+                <a:effectLst/>
+                <a:latin typeface="Menlo" charset="0"/>
+              </a:rPr>
+            </a:br>
+            <a:r>
+              <a:rPr lang="en-US" sz="2000" b="1" dirty="0">
+                <a:effectLst/>
+                <a:latin typeface="Menlo" charset="0"/>
+              </a:rPr>
+              <a:t># operations</a:t>
+            </a:r>
+          </a:p>
+          <a:p>
+            <a:r>
+              <a:rPr lang="en-US" sz="2000" b="1" dirty="0">
+                <a:effectLst/>
+                <a:latin typeface="Menlo" charset="0"/>
+              </a:rPr>
+              <a:t>add = </a:t>
+            </a:r>
+            <a:r>
+              <a:rPr lang="en-US" sz="2000" b="1" dirty="0" err="1">
+                <a:effectLst/>
+                <a:latin typeface="Menlo" charset="0"/>
+              </a:rPr>
+              <a:t>tf.add</a:t>
+            </a:r>
+            <a:r>
+              <a:rPr lang="en-US" sz="2000" b="1" dirty="0">
+                <a:effectLst/>
+                <a:latin typeface="Menlo" charset="0"/>
+              </a:rPr>
+              <a:t>(a, b)</a:t>
+            </a:r>
+          </a:p>
+          <a:p>
+            <a:r>
+              <a:rPr lang="en-US" sz="2000" b="1" dirty="0" err="1">
+                <a:effectLst/>
+                <a:latin typeface="Menlo" charset="0"/>
+              </a:rPr>
+              <a:t>mult</a:t>
+            </a:r>
+            <a:r>
+              <a:rPr lang="en-US" sz="2000" b="1" dirty="0">
+                <a:effectLst/>
+                <a:latin typeface="Menlo" charset="0"/>
+              </a:rPr>
+              <a:t> = </a:t>
+            </a:r>
+            <a:r>
+              <a:rPr lang="en-US" sz="2000" b="1" dirty="0" err="1">
+                <a:effectLst/>
+                <a:latin typeface="Menlo" charset="0"/>
+              </a:rPr>
+              <a:t>tf.multiply</a:t>
+            </a:r>
+            <a:r>
+              <a:rPr lang="en-US" sz="2000" b="1" dirty="0">
+                <a:effectLst/>
+                <a:latin typeface="Menlo" charset="0"/>
+              </a:rPr>
+              <a:t>(a, b)</a:t>
+            </a:r>
+          </a:p>
+          <a:p>
+            <a:r>
+              <a:rPr lang="en-US" sz="2000" b="1" dirty="0">
+                <a:effectLst/>
+                <a:latin typeface="Menlo" charset="0"/>
+              </a:rPr>
+              <a:t>with </a:t>
+            </a:r>
+            <a:r>
+              <a:rPr lang="en-US" sz="2000" b="1" dirty="0" err="1">
+                <a:effectLst/>
+                <a:latin typeface="Menlo" charset="0"/>
+              </a:rPr>
+              <a:t>tf.Session</a:t>
+            </a:r>
+            <a:r>
+              <a:rPr lang="en-US" sz="2000" b="1" dirty="0">
+                <a:effectLst/>
+                <a:latin typeface="Menlo" charset="0"/>
+              </a:rPr>
+              <a:t>() as </a:t>
+            </a:r>
+            <a:r>
+              <a:rPr lang="en-US" sz="2000" b="1" dirty="0" err="1">
+                <a:effectLst/>
+                <a:latin typeface="Menlo" charset="0"/>
+              </a:rPr>
+              <a:t>sess</a:t>
+            </a:r>
+            <a:r>
+              <a:rPr lang="en-US" sz="2000" b="1" dirty="0">
+                <a:effectLst/>
+                <a:latin typeface="Menlo" charset="0"/>
+              </a:rPr>
+              <a:t>:</a:t>
+            </a:r>
+          </a:p>
+          <a:p>
+            <a:r>
+              <a:rPr lang="en-US" sz="2000" b="1" dirty="0">
+                <a:effectLst/>
+                <a:latin typeface="Menlo" charset="0"/>
+              </a:rPr>
+              <a:t>    print 'a + b = ', </a:t>
+            </a:r>
+            <a:r>
+              <a:rPr lang="en-US" sz="2000" b="1" dirty="0" err="1">
+                <a:effectLst/>
+                <a:latin typeface="Menlo" charset="0"/>
+              </a:rPr>
+              <a:t>sess.run</a:t>
+            </a:r>
+            <a:r>
+              <a:rPr lang="en-US" sz="2000" b="1" dirty="0">
+                <a:effectLst/>
+                <a:latin typeface="Menlo" charset="0"/>
+              </a:rPr>
+              <a:t>(add, </a:t>
+            </a:r>
+            <a:r>
+              <a:rPr lang="en-US" sz="2000" b="1" dirty="0" err="1">
+                <a:effectLst/>
+                <a:latin typeface="Menlo" charset="0"/>
+              </a:rPr>
+              <a:t>feed_dict</a:t>
+            </a:r>
+            <a:r>
+              <a:rPr lang="en-US" sz="2000" b="1" dirty="0">
+                <a:effectLst/>
+                <a:latin typeface="Menlo" charset="0"/>
+              </a:rPr>
+              <a:t> = {a: 2, b: 4})</a:t>
+            </a:r>
+          </a:p>
+          <a:p>
+            <a:r>
+              <a:rPr lang="en-US" sz="2000" b="1" dirty="0">
+                <a:effectLst/>
+                <a:latin typeface="Menlo" charset="0"/>
+              </a:rPr>
+              <a:t>    print 'a * b = ', </a:t>
+            </a:r>
+            <a:r>
+              <a:rPr lang="en-US" sz="2000" b="1" dirty="0" err="1">
+                <a:effectLst/>
+                <a:latin typeface="Menlo" charset="0"/>
+              </a:rPr>
+              <a:t>sess.run</a:t>
+            </a:r>
+            <a:r>
+              <a:rPr lang="en-US" sz="2000" b="1" dirty="0">
+                <a:effectLst/>
+                <a:latin typeface="Menlo" charset="0"/>
+              </a:rPr>
+              <a:t>(</a:t>
+            </a:r>
+            <a:r>
+              <a:rPr lang="en-US" sz="2000" b="1" dirty="0" err="1">
+                <a:effectLst/>
+                <a:latin typeface="Menlo" charset="0"/>
+              </a:rPr>
+              <a:t>mult</a:t>
+            </a:r>
+            <a:r>
+              <a:rPr lang="en-US" sz="2000" b="1" dirty="0">
+                <a:effectLst/>
+                <a:latin typeface="Menlo" charset="0"/>
+              </a:rPr>
+              <a:t>, </a:t>
+            </a:r>
+            <a:r>
+              <a:rPr lang="en-US" sz="2000" b="1" dirty="0" err="1">
+                <a:effectLst/>
+                <a:latin typeface="Menlo" charset="0"/>
+              </a:rPr>
+              <a:t>feed_dict</a:t>
+            </a:r>
+            <a:r>
+              <a:rPr lang="en-US" sz="2000" b="1" dirty="0">
+                <a:effectLst/>
+                <a:latin typeface="Menlo" charset="0"/>
+              </a:rPr>
+              <a:t> = {a: 2, b: 4}) </a:t>
+            </a:r>
           </a:p>
         </p:txBody>
       </p:sp>
@@ -5860,13 +5684,6 @@
   <p:clrMapOvr>
     <a:masterClrMapping/>
   </p:clrMapOvr>
-  <p:timing>
-    <p:tnLst>
-      <p:par>
-        <p:cTn id="1" dur="indefinite" restart="never" nodeType="tmRoot"/>
-      </p:par>
-    </p:tnLst>
-  </p:timing>
 </p:sld>
 </file>
 
@@ -5903,10 +5720,9 @@
           <a:lstStyle/>
           <a:p>
             <a:r>
-              <a:rPr lang="en-US" dirty="0" smtClean="0"/>
+              <a:rPr lang="en-US" dirty="0"/>
               <a:t>3. Linear Regression</a:t>
             </a:r>
-            <a:endParaRPr lang="en-US" dirty="0"/>
           </a:p>
         </p:txBody>
       </p:sp>
@@ -5949,13 +5765,6 @@
   <p:clrMapOvr>
     <a:masterClrMapping/>
   </p:clrMapOvr>
-  <p:timing>
-    <p:tnLst>
-      <p:par>
-        <p:cTn id="1" dur="indefinite" restart="never" nodeType="tmRoot"/>
-      </p:par>
-    </p:tnLst>
-  </p:timing>
 </p:sld>
 </file>
 
@@ -5992,10 +5801,9 @@
           <a:lstStyle/>
           <a:p>
             <a:r>
-              <a:rPr lang="en-US" dirty="0" smtClean="0"/>
+              <a:rPr lang="en-US" dirty="0"/>
               <a:t>3. Linear Regression</a:t>
             </a:r>
-            <a:endParaRPr lang="en-US" dirty="0"/>
           </a:p>
         </p:txBody>
       </p:sp>
@@ -6021,21 +5829,21 @@
           <a:lstStyle/>
           <a:p>
             <a:r>
-              <a:rPr lang="en-US" sz="2400" b="1" dirty="0" smtClean="0">
+              <a:rPr lang="en-US" sz="2400" b="1" dirty="0">
                 <a:effectLst/>
                 <a:latin typeface="Menlo" charset="0"/>
               </a:rPr>
               <a:t>X = </a:t>
             </a:r>
             <a:r>
-              <a:rPr lang="en-US" sz="2400" b="1" dirty="0" err="1" smtClean="0">
+              <a:rPr lang="en-US" sz="2400" b="1" dirty="0" err="1">
                 <a:effectLst/>
                 <a:latin typeface="Menlo" charset="0"/>
               </a:rPr>
               <a:t>tf.placeholder</a:t>
             </a:r>
             <a:r>
-              <a:rPr lang="en-US" sz="2400" b="1" dirty="0" smtClean="0">
+              <a:rPr lang="en-US" sz="2400" b="1" dirty="0">
                 <a:effectLst/>
                 <a:latin typeface="Menlo" charset="0"/>
               </a:rPr>
@@ -6044,21 +5852,21 @@
           </a:p>
           <a:p>
             <a:r>
-              <a:rPr lang="en-US" sz="2400" b="1" dirty="0" smtClean="0">
+              <a:rPr lang="en-US" sz="2400" b="1" dirty="0">
                 <a:effectLst/>
                 <a:latin typeface="Menlo" charset="0"/>
               </a:rPr>
               <a:t>Y = </a:t>
             </a:r>
             <a:r>
-              <a:rPr lang="en-US" sz="2400" b="1" dirty="0" err="1" smtClean="0">
+              <a:rPr lang="en-US" sz="2400" b="1" dirty="0" err="1">
                 <a:effectLst/>
                 <a:latin typeface="Menlo" charset="0"/>
               </a:rPr>
               <a:t>tf.placeholder</a:t>
             </a:r>
             <a:r>
-              <a:rPr lang="en-US" sz="2400" b="1" dirty="0" smtClean="0">
+              <a:rPr lang="en-US" sz="2400" b="1" dirty="0">
                 <a:effectLst/>
                 <a:latin typeface="Menlo" charset="0"/>
               </a:rPr>
@@ -6066,49 +5874,42 @@
             </a:r>
           </a:p>
           <a:p>
-            <a:r>
-              <a:rPr lang="en-US" sz="2400" b="1" dirty="0" smtClean="0">
-                <a:effectLst/>
-                <a:latin typeface="Menlo" charset="0"/>
-              </a:rPr>
-              <a:t/>
-            </a:r>
             <a:br>
-              <a:rPr lang="en-US" sz="2400" b="1" dirty="0" smtClean="0">
+              <a:rPr lang="en-US" sz="2400" b="1" dirty="0">
                 <a:effectLst/>
                 <a:latin typeface="Menlo" charset="0"/>
               </a:rPr>
             </a:br>
             <a:r>
-              <a:rPr lang="en-US" sz="2400" b="1" dirty="0" smtClean="0">
+              <a:rPr lang="en-US" sz="2400" b="1" dirty="0">
                 <a:effectLst/>
                 <a:latin typeface="Menlo" charset="0"/>
               </a:rPr>
               <a:t>W = </a:t>
             </a:r>
             <a:r>
-              <a:rPr lang="en-US" sz="2400" b="1" dirty="0" err="1" smtClean="0">
+              <a:rPr lang="en-US" sz="2400" b="1" dirty="0" err="1">
                 <a:effectLst/>
                 <a:latin typeface="Menlo" charset="0"/>
               </a:rPr>
               <a:t>tf.Variable</a:t>
             </a:r>
             <a:r>
-              <a:rPr lang="en-US" sz="2400" b="1" dirty="0" smtClean="0">
+              <a:rPr lang="en-US" sz="2400" b="1" dirty="0">
                 <a:effectLst/>
                 <a:latin typeface="Menlo" charset="0"/>
               </a:rPr>
               <a:t>(</a:t>
             </a:r>
             <a:r>
-              <a:rPr lang="en-US" sz="2400" b="1" dirty="0" err="1" smtClean="0">
+              <a:rPr lang="en-US" sz="2400" b="1" dirty="0" err="1">
                 <a:effectLst/>
                 <a:latin typeface="Menlo" charset="0"/>
               </a:rPr>
               <a:t>tf.random_normal</a:t>
             </a:r>
             <a:r>
-              <a:rPr lang="en-US" sz="2400" b="1" dirty="0" smtClean="0">
+              <a:rPr lang="en-US" sz="2400" b="1" dirty="0">
                 <a:effectLst/>
                 <a:latin typeface="Menlo" charset="0"/>
               </a:rPr>
@@ -6117,35 +5918,35 @@
           </a:p>
           <a:p>
             <a:r>
-              <a:rPr lang="en-US" sz="2400" b="1" dirty="0" smtClean="0">
+              <a:rPr lang="en-US" sz="2400" b="1" dirty="0">
                 <a:effectLst/>
                 <a:latin typeface="Menlo" charset="0"/>
               </a:rPr>
               <a:t>b = </a:t>
             </a:r>
             <a:r>
-              <a:rPr lang="en-US" sz="2400" b="1" dirty="0" err="1" smtClean="0">
+              <a:rPr lang="en-US" sz="2400" b="1" dirty="0" err="1">
                 <a:effectLst/>
                 <a:latin typeface="Menlo" charset="0"/>
               </a:rPr>
               <a:t>tf.Variable</a:t>
             </a:r>
             <a:r>
-              <a:rPr lang="en-US" sz="2400" b="1" dirty="0" smtClean="0">
+              <a:rPr lang="en-US" sz="2400" b="1" dirty="0">
                 <a:effectLst/>
                 <a:latin typeface="Menlo" charset="0"/>
               </a:rPr>
               <a:t>(</a:t>
             </a:r>
             <a:r>
-              <a:rPr lang="en-US" sz="2400" b="1" dirty="0" err="1" smtClean="0">
+              <a:rPr lang="en-US" sz="2400" b="1" dirty="0" err="1">
                 <a:effectLst/>
                 <a:latin typeface="Menlo" charset="0"/>
               </a:rPr>
               <a:t>tf.random_normal</a:t>
             </a:r>
             <a:r>
-              <a:rPr lang="en-US" sz="2400" b="1" dirty="0" smtClean="0">
+              <a:rPr lang="en-US" sz="2400" b="1" dirty="0">
                 <a:effectLst/>
                 <a:latin typeface="Menlo" charset="0"/>
               </a:rPr>
@@ -6154,7 +5955,7 @@
           </a:p>
           <a:p>
             <a:r>
-              <a:rPr lang="en-US" sz="2400" b="1" dirty="0" smtClean="0">
+              <a:rPr lang="en-US" sz="2400" b="1" dirty="0">
                 <a:effectLst/>
                 <a:latin typeface="Menlo" charset="0"/>
               </a:rPr>
@@ -6163,51 +5964,47 @@
           </a:p>
           <a:p>
             <a:r>
-              <a:rPr lang="en-US" sz="2400" b="1" dirty="0" err="1" smtClean="0">
+              <a:rPr lang="en-US" sz="2400" b="1" dirty="0" err="1">
                 <a:effectLst/>
                 <a:latin typeface="Menlo" charset="0"/>
               </a:rPr>
               <a:t>Y_pred</a:t>
             </a:r>
             <a:r>
-              <a:rPr lang="en-US" sz="2400" b="1" dirty="0" smtClean="0">
+              <a:rPr lang="en-US" sz="2400" b="1" dirty="0">
                 <a:effectLst/>
                 <a:latin typeface="Menlo" charset="0"/>
               </a:rPr>
               <a:t> = </a:t>
             </a:r>
             <a:r>
-              <a:rPr lang="en-US" sz="2400" b="1" dirty="0" err="1" smtClean="0">
+              <a:rPr lang="en-US" sz="2400" b="1" dirty="0" err="1">
                 <a:effectLst/>
                 <a:latin typeface="Menlo" charset="0"/>
               </a:rPr>
               <a:t>tf.add</a:t>
             </a:r>
             <a:r>
-              <a:rPr lang="en-US" sz="2400" b="1" dirty="0" smtClean="0">
+              <a:rPr lang="en-US" sz="2400" b="1" dirty="0">
                 <a:effectLst/>
                 <a:latin typeface="Menlo" charset="0"/>
               </a:rPr>
               <a:t>(</a:t>
             </a:r>
             <a:r>
-              <a:rPr lang="en-US" sz="2400" b="1" dirty="0" err="1" smtClean="0">
+              <a:rPr lang="en-US" sz="2400" b="1" dirty="0" err="1">
                 <a:effectLst/>
                 <a:latin typeface="Menlo" charset="0"/>
               </a:rPr>
               <a:t>tf.multiply</a:t>
             </a:r>
             <a:r>
-              <a:rPr lang="en-US" sz="2400" b="1" dirty="0" smtClean="0">
+              <a:rPr lang="en-US" sz="2400" b="1" dirty="0">
                 <a:effectLst/>
                 <a:latin typeface="Menlo" charset="0"/>
               </a:rPr>
               <a:t>(X, W), b)</a:t>
             </a:r>
-            <a:endParaRPr lang="en-US" sz="2400" b="1" dirty="0">
-              <a:effectLst/>
-              <a:latin typeface="Menlo" charset="0"/>
-            </a:endParaRPr>
           </a:p>
         </p:txBody>
       </p:sp>
@@ -6221,13 +6018,6 @@
   <p:clrMapOvr>
     <a:masterClrMapping/>
   </p:clrMapOvr>
-  <p:timing>
-    <p:tnLst>
-      <p:par>
-        <p:cTn id="1" dur="indefinite" restart="never" nodeType="tmRoot"/>
-      </p:par>
-    </p:tnLst>
-  </p:timing>
 </p:sld>
 </file>
 

--- a/courseware/20181228_linear_regression/tensorflow线性回归.pptx
+++ b/courseware/20181228_linear_regression/tensorflow线性回归.pptx
@@ -255,7 +255,7 @@
           <a:p>
             <a:fld id="{1C4036AE-D037-204C-82E5-9B83F4DE0092}" type="datetimeFigureOut">
               <a:rPr lang="en-US" smtClean="0"/>
-              <a:t>1/2/2019</a:t>
+              <a:t>1/10/2019</a:t>
             </a:fld>
             <a:endParaRPr lang="en-US"/>
           </a:p>
@@ -423,7 +423,7 @@
           <a:p>
             <a:fld id="{1C4036AE-D037-204C-82E5-9B83F4DE0092}" type="datetimeFigureOut">
               <a:rPr lang="en-US" smtClean="0"/>
-              <a:t>1/2/2019</a:t>
+              <a:t>1/10/2019</a:t>
             </a:fld>
             <a:endParaRPr lang="en-US"/>
           </a:p>
@@ -601,7 +601,7 @@
           <a:p>
             <a:fld id="{1C4036AE-D037-204C-82E5-9B83F4DE0092}" type="datetimeFigureOut">
               <a:rPr lang="en-US" smtClean="0"/>
-              <a:t>1/2/2019</a:t>
+              <a:t>1/10/2019</a:t>
             </a:fld>
             <a:endParaRPr lang="en-US"/>
           </a:p>
@@ -769,7 +769,7 @@
           <a:p>
             <a:fld id="{1C4036AE-D037-204C-82E5-9B83F4DE0092}" type="datetimeFigureOut">
               <a:rPr lang="en-US" smtClean="0"/>
-              <a:t>1/2/2019</a:t>
+              <a:t>1/10/2019</a:t>
             </a:fld>
             <a:endParaRPr lang="en-US"/>
           </a:p>
@@ -1014,7 +1014,7 @@
           <a:p>
             <a:fld id="{1C4036AE-D037-204C-82E5-9B83F4DE0092}" type="datetimeFigureOut">
               <a:rPr lang="en-US" smtClean="0"/>
-              <a:t>1/2/2019</a:t>
+              <a:t>1/10/2019</a:t>
             </a:fld>
             <a:endParaRPr lang="en-US"/>
           </a:p>
@@ -1243,7 +1243,7 @@
           <a:p>
             <a:fld id="{1C4036AE-D037-204C-82E5-9B83F4DE0092}" type="datetimeFigureOut">
               <a:rPr lang="en-US" smtClean="0"/>
-              <a:t>1/2/2019</a:t>
+              <a:t>1/10/2019</a:t>
             </a:fld>
             <a:endParaRPr lang="en-US"/>
           </a:p>
@@ -1607,7 +1607,7 @@
           <a:p>
             <a:fld id="{1C4036AE-D037-204C-82E5-9B83F4DE0092}" type="datetimeFigureOut">
               <a:rPr lang="en-US" smtClean="0"/>
-              <a:t>1/2/2019</a:t>
+              <a:t>1/10/2019</a:t>
             </a:fld>
             <a:endParaRPr lang="en-US"/>
           </a:p>
@@ -1724,7 +1724,7 @@
           <a:p>
             <a:fld id="{1C4036AE-D037-204C-82E5-9B83F4DE0092}" type="datetimeFigureOut">
               <a:rPr lang="en-US" smtClean="0"/>
-              <a:t>1/2/2019</a:t>
+              <a:t>1/10/2019</a:t>
             </a:fld>
             <a:endParaRPr lang="en-US"/>
           </a:p>
@@ -1819,7 +1819,7 @@
           <a:p>
             <a:fld id="{1C4036AE-D037-204C-82E5-9B83F4DE0092}" type="datetimeFigureOut">
               <a:rPr lang="en-US" smtClean="0"/>
-              <a:t>1/2/2019</a:t>
+              <a:t>1/10/2019</a:t>
             </a:fld>
             <a:endParaRPr lang="en-US"/>
           </a:p>
@@ -2094,7 +2094,7 @@
           <a:p>
             <a:fld id="{1C4036AE-D037-204C-82E5-9B83F4DE0092}" type="datetimeFigureOut">
               <a:rPr lang="en-US" smtClean="0"/>
-              <a:t>1/2/2019</a:t>
+              <a:t>1/10/2019</a:t>
             </a:fld>
             <a:endParaRPr lang="en-US"/>
           </a:p>
@@ -2346,7 +2346,7 @@
           <a:p>
             <a:fld id="{1C4036AE-D037-204C-82E5-9B83F4DE0092}" type="datetimeFigureOut">
               <a:rPr lang="en-US" smtClean="0"/>
-              <a:t>1/2/2019</a:t>
+              <a:t>1/10/2019</a:t>
             </a:fld>
             <a:endParaRPr lang="en-US"/>
           </a:p>
@@ -2557,7 +2557,7 @@
           <a:p>
             <a:fld id="{1C4036AE-D037-204C-82E5-9B83F4DE0092}" type="datetimeFigureOut">
               <a:rPr lang="en-US" smtClean="0"/>
-              <a:t>1/2/2019</a:t>
+              <a:t>1/10/2019</a:t>
             </a:fld>
             <a:endParaRPr lang="en-US"/>
           </a:p>
@@ -3001,31 +3001,6 @@
           </a:p>
         </p:txBody>
       </p:sp>
-      <p:sp>
-        <p:nvSpPr>
-          <p:cNvPr id="5" name="副标题 4">
-            <a:extLst>
-              <a:ext uri="{FF2B5EF4-FFF2-40B4-BE49-F238E27FC236}">
-                <a16:creationId xmlns:a16="http://schemas.microsoft.com/office/drawing/2014/main" id="{E4DCB0B1-C1CE-49FA-BCC2-9C517193CA57}"/>
-              </a:ext>
-            </a:extLst>
-          </p:cNvPr>
-          <p:cNvSpPr>
-            <a:spLocks noGrp="1"/>
-          </p:cNvSpPr>
-          <p:nvPr>
-            <p:ph type="subTitle" idx="1"/>
-          </p:nvPr>
-        </p:nvSpPr>
-        <p:spPr/>
-        <p:txBody>
-          <a:bodyPr/>
-          <a:lstStyle/>
-          <a:p>
-            <a:endParaRPr lang="zh-CN" altLang="en-US"/>
-          </a:p>
-        </p:txBody>
-      </p:sp>
     </p:spTree>
     <p:extLst>
       <p:ext uri="{BB962C8B-B14F-4D97-AF65-F5344CB8AC3E}">
